--- a/featureToggles -b.pptx
+++ b/featureToggles -b.pptx
@@ -6,11 +6,11 @@
   </p:sldMasterIdLst>
   <p:sldIdLst>
     <p:sldId id="256" r:id="rId2"/>
-    <p:sldId id="258" r:id="rId3"/>
-    <p:sldId id="259" r:id="rId4"/>
-    <p:sldId id="260" r:id="rId5"/>
-    <p:sldId id="261" r:id="rId6"/>
-    <p:sldId id="262" r:id="rId7"/>
+    <p:sldId id="262" r:id="rId3"/>
+    <p:sldId id="258" r:id="rId4"/>
+    <p:sldId id="259" r:id="rId5"/>
+    <p:sldId id="260" r:id="rId6"/>
+    <p:sldId id="261" r:id="rId7"/>
   </p:sldIdLst>
   <p:sldSz cx="12192000" cy="6858000"/>
   <p:notesSz cx="6858000" cy="9144000"/>
@@ -111,7 +111,7 @@
   </p:defaultTextStyle>
   <p:extLst>
     <p:ext uri="{EFAFB233-063F-42B5-8137-9DF3F51BA10A}">
-      <p15:sldGuideLst xmlns="" xmlns:p15="http://schemas.microsoft.com/office/powerpoint/2012/main">
+      <p15:sldGuideLst xmlns:p15="http://schemas.microsoft.com/office/powerpoint/2012/main" xmlns="">
         <p15:guide id="1" orient="horz" pos="2160">
           <p15:clr>
             <a:srgbClr val="A4A3A4"/>
@@ -154,7 +154,7 @@
           <p:cNvPr id="2" name="Title 1">
             <a:extLst>
               <a:ext uri="{FF2B5EF4-FFF2-40B4-BE49-F238E27FC236}">
-                <a16:creationId xmlns="" xmlns:a16="http://schemas.microsoft.com/office/drawing/2014/main" id="{38F81ACD-8C1F-4BB2-BA73-47F37386D344}"/>
+                <a16:creationId xmlns:a16="http://schemas.microsoft.com/office/drawing/2014/main" xmlns="" id="{38F81ACD-8C1F-4BB2-BA73-47F37386D344}"/>
               </a:ext>
             </a:extLst>
           </p:cNvPr>
@@ -192,7 +192,7 @@
           <p:cNvPr id="3" name="Subtitle 2">
             <a:extLst>
               <a:ext uri="{FF2B5EF4-FFF2-40B4-BE49-F238E27FC236}">
-                <a16:creationId xmlns="" xmlns:a16="http://schemas.microsoft.com/office/drawing/2014/main" id="{5BDFD646-F3F1-4378-91F9-75517FA3A993}"/>
+                <a16:creationId xmlns:a16="http://schemas.microsoft.com/office/drawing/2014/main" xmlns="" id="{5BDFD646-F3F1-4378-91F9-75517FA3A993}"/>
               </a:ext>
             </a:extLst>
           </p:cNvPr>
@@ -263,7 +263,7 @@
           <p:cNvPr id="4" name="Date Placeholder 3">
             <a:extLst>
               <a:ext uri="{FF2B5EF4-FFF2-40B4-BE49-F238E27FC236}">
-                <a16:creationId xmlns="" xmlns:a16="http://schemas.microsoft.com/office/drawing/2014/main" id="{C116471B-760C-4B29-BC65-A5261A6DD762}"/>
+                <a16:creationId xmlns:a16="http://schemas.microsoft.com/office/drawing/2014/main" xmlns="" id="{C116471B-760C-4B29-BC65-A5261A6DD762}"/>
               </a:ext>
             </a:extLst>
           </p:cNvPr>
@@ -292,7 +292,7 @@
           <p:cNvPr id="5" name="Footer Placeholder 4">
             <a:extLst>
               <a:ext uri="{FF2B5EF4-FFF2-40B4-BE49-F238E27FC236}">
-                <a16:creationId xmlns="" xmlns:a16="http://schemas.microsoft.com/office/drawing/2014/main" id="{55048D6F-E27F-402B-9B6C-750D1A2AD34A}"/>
+                <a16:creationId xmlns:a16="http://schemas.microsoft.com/office/drawing/2014/main" xmlns="" id="{55048D6F-E27F-402B-9B6C-750D1A2AD34A}"/>
               </a:ext>
             </a:extLst>
           </p:cNvPr>
@@ -317,7 +317,7 @@
           <p:cNvPr id="6" name="Slide Number Placeholder 5">
             <a:extLst>
               <a:ext uri="{FF2B5EF4-FFF2-40B4-BE49-F238E27FC236}">
-                <a16:creationId xmlns="" xmlns:a16="http://schemas.microsoft.com/office/drawing/2014/main" id="{B3E9A2DE-C84E-4DC5-AA0C-C45C8E1E15A5}"/>
+                <a16:creationId xmlns:a16="http://schemas.microsoft.com/office/drawing/2014/main" xmlns="" id="{B3E9A2DE-C84E-4DC5-AA0C-C45C8E1E15A5}"/>
               </a:ext>
             </a:extLst>
           </p:cNvPr>
@@ -376,7 +376,7 @@
           <p:cNvPr id="2" name="Title 1">
             <a:extLst>
               <a:ext uri="{FF2B5EF4-FFF2-40B4-BE49-F238E27FC236}">
-                <a16:creationId xmlns="" xmlns:a16="http://schemas.microsoft.com/office/drawing/2014/main" id="{7C0EFEF6-DAD2-401D-8CEF-58DEEDA30E36}"/>
+                <a16:creationId xmlns:a16="http://schemas.microsoft.com/office/drawing/2014/main" xmlns="" id="{7C0EFEF6-DAD2-401D-8CEF-58DEEDA30E36}"/>
               </a:ext>
             </a:extLst>
           </p:cNvPr>
@@ -405,7 +405,7 @@
           <p:cNvPr id="3" name="Vertical Text Placeholder 2">
             <a:extLst>
               <a:ext uri="{FF2B5EF4-FFF2-40B4-BE49-F238E27FC236}">
-                <a16:creationId xmlns="" xmlns:a16="http://schemas.microsoft.com/office/drawing/2014/main" id="{117EED84-C3CB-4AF5-AD23-90CA35E96273}"/>
+                <a16:creationId xmlns:a16="http://schemas.microsoft.com/office/drawing/2014/main" xmlns="" id="{117EED84-C3CB-4AF5-AD23-90CA35E96273}"/>
               </a:ext>
             </a:extLst>
           </p:cNvPr>
@@ -463,7 +463,7 @@
           <p:cNvPr id="4" name="Date Placeholder 3">
             <a:extLst>
               <a:ext uri="{FF2B5EF4-FFF2-40B4-BE49-F238E27FC236}">
-                <a16:creationId xmlns="" xmlns:a16="http://schemas.microsoft.com/office/drawing/2014/main" id="{004A36D1-B023-456D-A05D-E708709D6B75}"/>
+                <a16:creationId xmlns:a16="http://schemas.microsoft.com/office/drawing/2014/main" xmlns="" id="{004A36D1-B023-456D-A05D-E708709D6B75}"/>
               </a:ext>
             </a:extLst>
           </p:cNvPr>
@@ -492,7 +492,7 @@
           <p:cNvPr id="5" name="Footer Placeholder 4">
             <a:extLst>
               <a:ext uri="{FF2B5EF4-FFF2-40B4-BE49-F238E27FC236}">
-                <a16:creationId xmlns="" xmlns:a16="http://schemas.microsoft.com/office/drawing/2014/main" id="{05D3A2AD-699E-462A-B229-90E89740B46F}"/>
+                <a16:creationId xmlns:a16="http://schemas.microsoft.com/office/drawing/2014/main" xmlns="" id="{05D3A2AD-699E-462A-B229-90E89740B46F}"/>
               </a:ext>
             </a:extLst>
           </p:cNvPr>
@@ -517,7 +517,7 @@
           <p:cNvPr id="6" name="Slide Number Placeholder 5">
             <a:extLst>
               <a:ext uri="{FF2B5EF4-FFF2-40B4-BE49-F238E27FC236}">
-                <a16:creationId xmlns="" xmlns:a16="http://schemas.microsoft.com/office/drawing/2014/main" id="{9050A44C-61DD-456A-8955-C46F258F8157}"/>
+                <a16:creationId xmlns:a16="http://schemas.microsoft.com/office/drawing/2014/main" xmlns="" id="{9050A44C-61DD-456A-8955-C46F258F8157}"/>
               </a:ext>
             </a:extLst>
           </p:cNvPr>
@@ -576,7 +576,7 @@
           <p:cNvPr id="2" name="Vertical Title 1">
             <a:extLst>
               <a:ext uri="{FF2B5EF4-FFF2-40B4-BE49-F238E27FC236}">
-                <a16:creationId xmlns="" xmlns:a16="http://schemas.microsoft.com/office/drawing/2014/main" id="{F5377BB8-079C-4A89-A9FD-32FF6E883D75}"/>
+                <a16:creationId xmlns:a16="http://schemas.microsoft.com/office/drawing/2014/main" xmlns="" id="{F5377BB8-079C-4A89-A9FD-32FF6E883D75}"/>
               </a:ext>
             </a:extLst>
           </p:cNvPr>
@@ -610,7 +610,7 @@
           <p:cNvPr id="3" name="Vertical Text Placeholder 2">
             <a:extLst>
               <a:ext uri="{FF2B5EF4-FFF2-40B4-BE49-F238E27FC236}">
-                <a16:creationId xmlns="" xmlns:a16="http://schemas.microsoft.com/office/drawing/2014/main" id="{EB81C5F0-725D-449A-8EF3-6531E2FA1AA8}"/>
+                <a16:creationId xmlns:a16="http://schemas.microsoft.com/office/drawing/2014/main" xmlns="" id="{EB81C5F0-725D-449A-8EF3-6531E2FA1AA8}"/>
               </a:ext>
             </a:extLst>
           </p:cNvPr>
@@ -673,7 +673,7 @@
           <p:cNvPr id="4" name="Date Placeholder 3">
             <a:extLst>
               <a:ext uri="{FF2B5EF4-FFF2-40B4-BE49-F238E27FC236}">
-                <a16:creationId xmlns="" xmlns:a16="http://schemas.microsoft.com/office/drawing/2014/main" id="{FC0181BA-19FD-4050-9029-64DEBEBE498A}"/>
+                <a16:creationId xmlns:a16="http://schemas.microsoft.com/office/drawing/2014/main" xmlns="" id="{FC0181BA-19FD-4050-9029-64DEBEBE498A}"/>
               </a:ext>
             </a:extLst>
           </p:cNvPr>
@@ -702,7 +702,7 @@
           <p:cNvPr id="5" name="Footer Placeholder 4">
             <a:extLst>
               <a:ext uri="{FF2B5EF4-FFF2-40B4-BE49-F238E27FC236}">
-                <a16:creationId xmlns="" xmlns:a16="http://schemas.microsoft.com/office/drawing/2014/main" id="{C5BBB84B-A425-43A6-9E6B-AF292D520063}"/>
+                <a16:creationId xmlns:a16="http://schemas.microsoft.com/office/drawing/2014/main" xmlns="" id="{C5BBB84B-A425-43A6-9E6B-AF292D520063}"/>
               </a:ext>
             </a:extLst>
           </p:cNvPr>
@@ -727,7 +727,7 @@
           <p:cNvPr id="6" name="Slide Number Placeholder 5">
             <a:extLst>
               <a:ext uri="{FF2B5EF4-FFF2-40B4-BE49-F238E27FC236}">
-                <a16:creationId xmlns="" xmlns:a16="http://schemas.microsoft.com/office/drawing/2014/main" id="{C6BEEE56-BCA2-41E1-8198-EA1D0263C7A3}"/>
+                <a16:creationId xmlns:a16="http://schemas.microsoft.com/office/drawing/2014/main" xmlns="" id="{C6BEEE56-BCA2-41E1-8198-EA1D0263C7A3}"/>
               </a:ext>
             </a:extLst>
           </p:cNvPr>
@@ -786,7 +786,7 @@
           <p:cNvPr id="2" name="Title 1">
             <a:extLst>
               <a:ext uri="{FF2B5EF4-FFF2-40B4-BE49-F238E27FC236}">
-                <a16:creationId xmlns="" xmlns:a16="http://schemas.microsoft.com/office/drawing/2014/main" id="{1FAB533F-D466-4C2E-A38D-D6DAB9435884}"/>
+                <a16:creationId xmlns:a16="http://schemas.microsoft.com/office/drawing/2014/main" xmlns="" id="{1FAB533F-D466-4C2E-A38D-D6DAB9435884}"/>
               </a:ext>
             </a:extLst>
           </p:cNvPr>
@@ -815,7 +815,7 @@
           <p:cNvPr id="3" name="Content Placeholder 2">
             <a:extLst>
               <a:ext uri="{FF2B5EF4-FFF2-40B4-BE49-F238E27FC236}">
-                <a16:creationId xmlns="" xmlns:a16="http://schemas.microsoft.com/office/drawing/2014/main" id="{25260A0A-1EB9-4D07-8FE5-FEE29792F594}"/>
+                <a16:creationId xmlns:a16="http://schemas.microsoft.com/office/drawing/2014/main" xmlns="" id="{25260A0A-1EB9-4D07-8FE5-FEE29792F594}"/>
               </a:ext>
             </a:extLst>
           </p:cNvPr>
@@ -873,7 +873,7 @@
           <p:cNvPr id="4" name="Date Placeholder 3">
             <a:extLst>
               <a:ext uri="{FF2B5EF4-FFF2-40B4-BE49-F238E27FC236}">
-                <a16:creationId xmlns="" xmlns:a16="http://schemas.microsoft.com/office/drawing/2014/main" id="{A1C8AA27-F3BA-44A6-9B2B-C315B74FFBA5}"/>
+                <a16:creationId xmlns:a16="http://schemas.microsoft.com/office/drawing/2014/main" xmlns="" id="{A1C8AA27-F3BA-44A6-9B2B-C315B74FFBA5}"/>
               </a:ext>
             </a:extLst>
           </p:cNvPr>
@@ -902,7 +902,7 @@
           <p:cNvPr id="5" name="Footer Placeholder 4">
             <a:extLst>
               <a:ext uri="{FF2B5EF4-FFF2-40B4-BE49-F238E27FC236}">
-                <a16:creationId xmlns="" xmlns:a16="http://schemas.microsoft.com/office/drawing/2014/main" id="{FDAE1B9D-3A65-4218-9B24-F7F07259FE98}"/>
+                <a16:creationId xmlns:a16="http://schemas.microsoft.com/office/drawing/2014/main" xmlns="" id="{FDAE1B9D-3A65-4218-9B24-F7F07259FE98}"/>
               </a:ext>
             </a:extLst>
           </p:cNvPr>
@@ -927,7 +927,7 @@
           <p:cNvPr id="6" name="Slide Number Placeholder 5">
             <a:extLst>
               <a:ext uri="{FF2B5EF4-FFF2-40B4-BE49-F238E27FC236}">
-                <a16:creationId xmlns="" xmlns:a16="http://schemas.microsoft.com/office/drawing/2014/main" id="{7F6469AC-87CC-4110-853E-4EF47FB24469}"/>
+                <a16:creationId xmlns:a16="http://schemas.microsoft.com/office/drawing/2014/main" xmlns="" id="{7F6469AC-87CC-4110-853E-4EF47FB24469}"/>
               </a:ext>
             </a:extLst>
           </p:cNvPr>
@@ -986,7 +986,7 @@
           <p:cNvPr id="2" name="Title 1">
             <a:extLst>
               <a:ext uri="{FF2B5EF4-FFF2-40B4-BE49-F238E27FC236}">
-                <a16:creationId xmlns="" xmlns:a16="http://schemas.microsoft.com/office/drawing/2014/main" id="{7CD84C07-8032-40E4-8188-26C90C375735}"/>
+                <a16:creationId xmlns:a16="http://schemas.microsoft.com/office/drawing/2014/main" xmlns="" id="{7CD84C07-8032-40E4-8188-26C90C375735}"/>
               </a:ext>
             </a:extLst>
           </p:cNvPr>
@@ -1024,7 +1024,7 @@
           <p:cNvPr id="3" name="Text Placeholder 2">
             <a:extLst>
               <a:ext uri="{FF2B5EF4-FFF2-40B4-BE49-F238E27FC236}">
-                <a16:creationId xmlns="" xmlns:a16="http://schemas.microsoft.com/office/drawing/2014/main" id="{58BBB9ED-EEEF-486B-BBD2-B0F5F29FB751}"/>
+                <a16:creationId xmlns:a16="http://schemas.microsoft.com/office/drawing/2014/main" xmlns="" id="{58BBB9ED-EEEF-486B-BBD2-B0F5F29FB751}"/>
               </a:ext>
             </a:extLst>
           </p:cNvPr>
@@ -1149,7 +1149,7 @@
           <p:cNvPr id="4" name="Date Placeholder 3">
             <a:extLst>
               <a:ext uri="{FF2B5EF4-FFF2-40B4-BE49-F238E27FC236}">
-                <a16:creationId xmlns="" xmlns:a16="http://schemas.microsoft.com/office/drawing/2014/main" id="{C1886328-7A1B-432B-899F-09D7885145D0}"/>
+                <a16:creationId xmlns:a16="http://schemas.microsoft.com/office/drawing/2014/main" xmlns="" id="{C1886328-7A1B-432B-899F-09D7885145D0}"/>
               </a:ext>
             </a:extLst>
           </p:cNvPr>
@@ -1178,7 +1178,7 @@
           <p:cNvPr id="5" name="Footer Placeholder 4">
             <a:extLst>
               <a:ext uri="{FF2B5EF4-FFF2-40B4-BE49-F238E27FC236}">
-                <a16:creationId xmlns="" xmlns:a16="http://schemas.microsoft.com/office/drawing/2014/main" id="{687EDC61-8E2E-47AA-B91B-3A51ED2E1244}"/>
+                <a16:creationId xmlns:a16="http://schemas.microsoft.com/office/drawing/2014/main" xmlns="" id="{687EDC61-8E2E-47AA-B91B-3A51ED2E1244}"/>
               </a:ext>
             </a:extLst>
           </p:cNvPr>
@@ -1203,7 +1203,7 @@
           <p:cNvPr id="6" name="Slide Number Placeholder 5">
             <a:extLst>
               <a:ext uri="{FF2B5EF4-FFF2-40B4-BE49-F238E27FC236}">
-                <a16:creationId xmlns="" xmlns:a16="http://schemas.microsoft.com/office/drawing/2014/main" id="{7D9AD1A8-963F-4E0F-A996-1D59DEB2AB11}"/>
+                <a16:creationId xmlns:a16="http://schemas.microsoft.com/office/drawing/2014/main" xmlns="" id="{7D9AD1A8-963F-4E0F-A996-1D59DEB2AB11}"/>
               </a:ext>
             </a:extLst>
           </p:cNvPr>
@@ -1262,7 +1262,7 @@
           <p:cNvPr id="2" name="Title 1">
             <a:extLst>
               <a:ext uri="{FF2B5EF4-FFF2-40B4-BE49-F238E27FC236}">
-                <a16:creationId xmlns="" xmlns:a16="http://schemas.microsoft.com/office/drawing/2014/main" id="{F94DB45A-071D-4C99-A5B5-35979556A0CC}"/>
+                <a16:creationId xmlns:a16="http://schemas.microsoft.com/office/drawing/2014/main" xmlns="" id="{F94DB45A-071D-4C99-A5B5-35979556A0CC}"/>
               </a:ext>
             </a:extLst>
           </p:cNvPr>
@@ -1291,7 +1291,7 @@
           <p:cNvPr id="3" name="Content Placeholder 2">
             <a:extLst>
               <a:ext uri="{FF2B5EF4-FFF2-40B4-BE49-F238E27FC236}">
-                <a16:creationId xmlns="" xmlns:a16="http://schemas.microsoft.com/office/drawing/2014/main" id="{0A2162A9-A21E-4501-AC10-15F68B1F8653}"/>
+                <a16:creationId xmlns:a16="http://schemas.microsoft.com/office/drawing/2014/main" xmlns="" id="{0A2162A9-A21E-4501-AC10-15F68B1F8653}"/>
               </a:ext>
             </a:extLst>
           </p:cNvPr>
@@ -1354,7 +1354,7 @@
           <p:cNvPr id="4" name="Content Placeholder 3">
             <a:extLst>
               <a:ext uri="{FF2B5EF4-FFF2-40B4-BE49-F238E27FC236}">
-                <a16:creationId xmlns="" xmlns:a16="http://schemas.microsoft.com/office/drawing/2014/main" id="{C9808B4B-FAC3-4EF5-945D-276AEBCEEB56}"/>
+                <a16:creationId xmlns:a16="http://schemas.microsoft.com/office/drawing/2014/main" xmlns="" id="{C9808B4B-FAC3-4EF5-945D-276AEBCEEB56}"/>
               </a:ext>
             </a:extLst>
           </p:cNvPr>
@@ -1417,7 +1417,7 @@
           <p:cNvPr id="5" name="Date Placeholder 4">
             <a:extLst>
               <a:ext uri="{FF2B5EF4-FFF2-40B4-BE49-F238E27FC236}">
-                <a16:creationId xmlns="" xmlns:a16="http://schemas.microsoft.com/office/drawing/2014/main" id="{111E4125-3763-4CDE-A124-A7F37129BF6F}"/>
+                <a16:creationId xmlns:a16="http://schemas.microsoft.com/office/drawing/2014/main" xmlns="" id="{111E4125-3763-4CDE-A124-A7F37129BF6F}"/>
               </a:ext>
             </a:extLst>
           </p:cNvPr>
@@ -1446,7 +1446,7 @@
           <p:cNvPr id="6" name="Footer Placeholder 5">
             <a:extLst>
               <a:ext uri="{FF2B5EF4-FFF2-40B4-BE49-F238E27FC236}">
-                <a16:creationId xmlns="" xmlns:a16="http://schemas.microsoft.com/office/drawing/2014/main" id="{6A31F033-2EFA-4A06-8CCE-4CC9C6D6F2C9}"/>
+                <a16:creationId xmlns:a16="http://schemas.microsoft.com/office/drawing/2014/main" xmlns="" id="{6A31F033-2EFA-4A06-8CCE-4CC9C6D6F2C9}"/>
               </a:ext>
             </a:extLst>
           </p:cNvPr>
@@ -1471,7 +1471,7 @@
           <p:cNvPr id="7" name="Slide Number Placeholder 6">
             <a:extLst>
               <a:ext uri="{FF2B5EF4-FFF2-40B4-BE49-F238E27FC236}">
-                <a16:creationId xmlns="" xmlns:a16="http://schemas.microsoft.com/office/drawing/2014/main" id="{39784076-D524-4AB4-96F2-C3CDEFC47AB1}"/>
+                <a16:creationId xmlns:a16="http://schemas.microsoft.com/office/drawing/2014/main" xmlns="" id="{39784076-D524-4AB4-96F2-C3CDEFC47AB1}"/>
               </a:ext>
             </a:extLst>
           </p:cNvPr>
@@ -1530,7 +1530,7 @@
           <p:cNvPr id="2" name="Title 1">
             <a:extLst>
               <a:ext uri="{FF2B5EF4-FFF2-40B4-BE49-F238E27FC236}">
-                <a16:creationId xmlns="" xmlns:a16="http://schemas.microsoft.com/office/drawing/2014/main" id="{B745368A-B171-42D4-B621-B342A8582657}"/>
+                <a16:creationId xmlns:a16="http://schemas.microsoft.com/office/drawing/2014/main" xmlns="" id="{B745368A-B171-42D4-B621-B342A8582657}"/>
               </a:ext>
             </a:extLst>
           </p:cNvPr>
@@ -1564,7 +1564,7 @@
           <p:cNvPr id="3" name="Text Placeholder 2">
             <a:extLst>
               <a:ext uri="{FF2B5EF4-FFF2-40B4-BE49-F238E27FC236}">
-                <a16:creationId xmlns="" xmlns:a16="http://schemas.microsoft.com/office/drawing/2014/main" id="{6EB5C1D4-3980-42FF-B1F5-02359E1FF18B}"/>
+                <a16:creationId xmlns:a16="http://schemas.microsoft.com/office/drawing/2014/main" xmlns="" id="{6EB5C1D4-3980-42FF-B1F5-02359E1FF18B}"/>
               </a:ext>
             </a:extLst>
           </p:cNvPr>
@@ -1635,7 +1635,7 @@
           <p:cNvPr id="4" name="Content Placeholder 3">
             <a:extLst>
               <a:ext uri="{FF2B5EF4-FFF2-40B4-BE49-F238E27FC236}">
-                <a16:creationId xmlns="" xmlns:a16="http://schemas.microsoft.com/office/drawing/2014/main" id="{83C8D96C-588F-4783-A633-494FB037A1EE}"/>
+                <a16:creationId xmlns:a16="http://schemas.microsoft.com/office/drawing/2014/main" xmlns="" id="{83C8D96C-588F-4783-A633-494FB037A1EE}"/>
               </a:ext>
             </a:extLst>
           </p:cNvPr>
@@ -1698,7 +1698,7 @@
           <p:cNvPr id="5" name="Text Placeholder 4">
             <a:extLst>
               <a:ext uri="{FF2B5EF4-FFF2-40B4-BE49-F238E27FC236}">
-                <a16:creationId xmlns="" xmlns:a16="http://schemas.microsoft.com/office/drawing/2014/main" id="{28667787-A838-4CC1-A1ED-AE08B50E6BCC}"/>
+                <a16:creationId xmlns:a16="http://schemas.microsoft.com/office/drawing/2014/main" xmlns="" id="{28667787-A838-4CC1-A1ED-AE08B50E6BCC}"/>
               </a:ext>
             </a:extLst>
           </p:cNvPr>
@@ -1769,7 +1769,7 @@
           <p:cNvPr id="6" name="Content Placeholder 5">
             <a:extLst>
               <a:ext uri="{FF2B5EF4-FFF2-40B4-BE49-F238E27FC236}">
-                <a16:creationId xmlns="" xmlns:a16="http://schemas.microsoft.com/office/drawing/2014/main" id="{7B40A859-B47C-4D03-8DBB-62106BCC6396}"/>
+                <a16:creationId xmlns:a16="http://schemas.microsoft.com/office/drawing/2014/main" xmlns="" id="{7B40A859-B47C-4D03-8DBB-62106BCC6396}"/>
               </a:ext>
             </a:extLst>
           </p:cNvPr>
@@ -1832,7 +1832,7 @@
           <p:cNvPr id="7" name="Date Placeholder 6">
             <a:extLst>
               <a:ext uri="{FF2B5EF4-FFF2-40B4-BE49-F238E27FC236}">
-                <a16:creationId xmlns="" xmlns:a16="http://schemas.microsoft.com/office/drawing/2014/main" id="{9E8971B1-954C-4FAC-B307-11F8197CCC26}"/>
+                <a16:creationId xmlns:a16="http://schemas.microsoft.com/office/drawing/2014/main" xmlns="" id="{9E8971B1-954C-4FAC-B307-11F8197CCC26}"/>
               </a:ext>
             </a:extLst>
           </p:cNvPr>
@@ -1861,7 +1861,7 @@
           <p:cNvPr id="8" name="Footer Placeholder 7">
             <a:extLst>
               <a:ext uri="{FF2B5EF4-FFF2-40B4-BE49-F238E27FC236}">
-                <a16:creationId xmlns="" xmlns:a16="http://schemas.microsoft.com/office/drawing/2014/main" id="{495E3B1A-D948-4A43-9383-89A59162C90A}"/>
+                <a16:creationId xmlns:a16="http://schemas.microsoft.com/office/drawing/2014/main" xmlns="" id="{495E3B1A-D948-4A43-9383-89A59162C90A}"/>
               </a:ext>
             </a:extLst>
           </p:cNvPr>
@@ -1886,7 +1886,7 @@
           <p:cNvPr id="9" name="Slide Number Placeholder 8">
             <a:extLst>
               <a:ext uri="{FF2B5EF4-FFF2-40B4-BE49-F238E27FC236}">
-                <a16:creationId xmlns="" xmlns:a16="http://schemas.microsoft.com/office/drawing/2014/main" id="{3104F6C4-5756-4122-8B27-29C65B744BB6}"/>
+                <a16:creationId xmlns:a16="http://schemas.microsoft.com/office/drawing/2014/main" xmlns="" id="{3104F6C4-5756-4122-8B27-29C65B744BB6}"/>
               </a:ext>
             </a:extLst>
           </p:cNvPr>
@@ -1945,7 +1945,7 @@
           <p:cNvPr id="2" name="Title 1">
             <a:extLst>
               <a:ext uri="{FF2B5EF4-FFF2-40B4-BE49-F238E27FC236}">
-                <a16:creationId xmlns="" xmlns:a16="http://schemas.microsoft.com/office/drawing/2014/main" id="{204971F9-7824-41A4-8398-B33DB2E25B17}"/>
+                <a16:creationId xmlns:a16="http://schemas.microsoft.com/office/drawing/2014/main" xmlns="" id="{204971F9-7824-41A4-8398-B33DB2E25B17}"/>
               </a:ext>
             </a:extLst>
           </p:cNvPr>
@@ -1974,7 +1974,7 @@
           <p:cNvPr id="3" name="Date Placeholder 2">
             <a:extLst>
               <a:ext uri="{FF2B5EF4-FFF2-40B4-BE49-F238E27FC236}">
-                <a16:creationId xmlns="" xmlns:a16="http://schemas.microsoft.com/office/drawing/2014/main" id="{2CD14C02-4114-42B0-A0A0-1561A896C5F6}"/>
+                <a16:creationId xmlns:a16="http://schemas.microsoft.com/office/drawing/2014/main" xmlns="" id="{2CD14C02-4114-42B0-A0A0-1561A896C5F6}"/>
               </a:ext>
             </a:extLst>
           </p:cNvPr>
@@ -2003,7 +2003,7 @@
           <p:cNvPr id="4" name="Footer Placeholder 3">
             <a:extLst>
               <a:ext uri="{FF2B5EF4-FFF2-40B4-BE49-F238E27FC236}">
-                <a16:creationId xmlns="" xmlns:a16="http://schemas.microsoft.com/office/drawing/2014/main" id="{69224448-8C00-4357-8694-938F1723F49C}"/>
+                <a16:creationId xmlns:a16="http://schemas.microsoft.com/office/drawing/2014/main" xmlns="" id="{69224448-8C00-4357-8694-938F1723F49C}"/>
               </a:ext>
             </a:extLst>
           </p:cNvPr>
@@ -2028,7 +2028,7 @@
           <p:cNvPr id="5" name="Slide Number Placeholder 4">
             <a:extLst>
               <a:ext uri="{FF2B5EF4-FFF2-40B4-BE49-F238E27FC236}">
-                <a16:creationId xmlns="" xmlns:a16="http://schemas.microsoft.com/office/drawing/2014/main" id="{6C7DCA96-9B71-49D7-B19E-DF6F73963068}"/>
+                <a16:creationId xmlns:a16="http://schemas.microsoft.com/office/drawing/2014/main" xmlns="" id="{6C7DCA96-9B71-49D7-B19E-DF6F73963068}"/>
               </a:ext>
             </a:extLst>
           </p:cNvPr>
@@ -2087,7 +2087,7 @@
           <p:cNvPr id="2" name="Date Placeholder 1">
             <a:extLst>
               <a:ext uri="{FF2B5EF4-FFF2-40B4-BE49-F238E27FC236}">
-                <a16:creationId xmlns="" xmlns:a16="http://schemas.microsoft.com/office/drawing/2014/main" id="{E8DF68A8-5D4D-47DE-A680-03D5A49717C6}"/>
+                <a16:creationId xmlns:a16="http://schemas.microsoft.com/office/drawing/2014/main" xmlns="" id="{E8DF68A8-5D4D-47DE-A680-03D5A49717C6}"/>
               </a:ext>
             </a:extLst>
           </p:cNvPr>
@@ -2116,7 +2116,7 @@
           <p:cNvPr id="3" name="Footer Placeholder 2">
             <a:extLst>
               <a:ext uri="{FF2B5EF4-FFF2-40B4-BE49-F238E27FC236}">
-                <a16:creationId xmlns="" xmlns:a16="http://schemas.microsoft.com/office/drawing/2014/main" id="{155CD824-5C15-4A04-82D3-7B629C181F19}"/>
+                <a16:creationId xmlns:a16="http://schemas.microsoft.com/office/drawing/2014/main" xmlns="" id="{155CD824-5C15-4A04-82D3-7B629C181F19}"/>
               </a:ext>
             </a:extLst>
           </p:cNvPr>
@@ -2141,7 +2141,7 @@
           <p:cNvPr id="4" name="Slide Number Placeholder 3">
             <a:extLst>
               <a:ext uri="{FF2B5EF4-FFF2-40B4-BE49-F238E27FC236}">
-                <a16:creationId xmlns="" xmlns:a16="http://schemas.microsoft.com/office/drawing/2014/main" id="{018AE5D8-A796-4C5F-AF96-633C586CE814}"/>
+                <a16:creationId xmlns:a16="http://schemas.microsoft.com/office/drawing/2014/main" xmlns="" id="{018AE5D8-A796-4C5F-AF96-633C586CE814}"/>
               </a:ext>
             </a:extLst>
           </p:cNvPr>
@@ -2200,7 +2200,7 @@
           <p:cNvPr id="2" name="Title 1">
             <a:extLst>
               <a:ext uri="{FF2B5EF4-FFF2-40B4-BE49-F238E27FC236}">
-                <a16:creationId xmlns="" xmlns:a16="http://schemas.microsoft.com/office/drawing/2014/main" id="{5785C08C-F708-4E59-9638-67476CCE6F8E}"/>
+                <a16:creationId xmlns:a16="http://schemas.microsoft.com/office/drawing/2014/main" xmlns="" id="{5785C08C-F708-4E59-9638-67476CCE6F8E}"/>
               </a:ext>
             </a:extLst>
           </p:cNvPr>
@@ -2238,7 +2238,7 @@
           <p:cNvPr id="3" name="Content Placeholder 2">
             <a:extLst>
               <a:ext uri="{FF2B5EF4-FFF2-40B4-BE49-F238E27FC236}">
-                <a16:creationId xmlns="" xmlns:a16="http://schemas.microsoft.com/office/drawing/2014/main" id="{37D67BF5-8B86-462B-B714-E04C03AFACB1}"/>
+                <a16:creationId xmlns:a16="http://schemas.microsoft.com/office/drawing/2014/main" xmlns="" id="{37D67BF5-8B86-462B-B714-E04C03AFACB1}"/>
               </a:ext>
             </a:extLst>
           </p:cNvPr>
@@ -2329,7 +2329,7 @@
           <p:cNvPr id="4" name="Text Placeholder 3">
             <a:extLst>
               <a:ext uri="{FF2B5EF4-FFF2-40B4-BE49-F238E27FC236}">
-                <a16:creationId xmlns="" xmlns:a16="http://schemas.microsoft.com/office/drawing/2014/main" id="{11D7DB8C-9AFD-4BF2-86F3-684F952F52FC}"/>
+                <a16:creationId xmlns:a16="http://schemas.microsoft.com/office/drawing/2014/main" xmlns="" id="{11D7DB8C-9AFD-4BF2-86F3-684F952F52FC}"/>
               </a:ext>
             </a:extLst>
           </p:cNvPr>
@@ -2400,7 +2400,7 @@
           <p:cNvPr id="5" name="Date Placeholder 4">
             <a:extLst>
               <a:ext uri="{FF2B5EF4-FFF2-40B4-BE49-F238E27FC236}">
-                <a16:creationId xmlns="" xmlns:a16="http://schemas.microsoft.com/office/drawing/2014/main" id="{7E4D098C-4950-4964-9D3B-09607BD26634}"/>
+                <a16:creationId xmlns:a16="http://schemas.microsoft.com/office/drawing/2014/main" xmlns="" id="{7E4D098C-4950-4964-9D3B-09607BD26634}"/>
               </a:ext>
             </a:extLst>
           </p:cNvPr>
@@ -2429,7 +2429,7 @@
           <p:cNvPr id="6" name="Footer Placeholder 5">
             <a:extLst>
               <a:ext uri="{FF2B5EF4-FFF2-40B4-BE49-F238E27FC236}">
-                <a16:creationId xmlns="" xmlns:a16="http://schemas.microsoft.com/office/drawing/2014/main" id="{F2CA40CB-8C56-4909-A6E1-D90B748B0886}"/>
+                <a16:creationId xmlns:a16="http://schemas.microsoft.com/office/drawing/2014/main" xmlns="" id="{F2CA40CB-8C56-4909-A6E1-D90B748B0886}"/>
               </a:ext>
             </a:extLst>
           </p:cNvPr>
@@ -2454,7 +2454,7 @@
           <p:cNvPr id="7" name="Slide Number Placeholder 6">
             <a:extLst>
               <a:ext uri="{FF2B5EF4-FFF2-40B4-BE49-F238E27FC236}">
-                <a16:creationId xmlns="" xmlns:a16="http://schemas.microsoft.com/office/drawing/2014/main" id="{1551E7B9-06EE-4679-B231-5169CDC44B45}"/>
+                <a16:creationId xmlns:a16="http://schemas.microsoft.com/office/drawing/2014/main" xmlns="" id="{1551E7B9-06EE-4679-B231-5169CDC44B45}"/>
               </a:ext>
             </a:extLst>
           </p:cNvPr>
@@ -2513,7 +2513,7 @@
           <p:cNvPr id="2" name="Title 1">
             <a:extLst>
               <a:ext uri="{FF2B5EF4-FFF2-40B4-BE49-F238E27FC236}">
-                <a16:creationId xmlns="" xmlns:a16="http://schemas.microsoft.com/office/drawing/2014/main" id="{50226FEE-AE82-46F3-A9E5-F264D85E74BA}"/>
+                <a16:creationId xmlns:a16="http://schemas.microsoft.com/office/drawing/2014/main" xmlns="" id="{50226FEE-AE82-46F3-A9E5-F264D85E74BA}"/>
               </a:ext>
             </a:extLst>
           </p:cNvPr>
@@ -2551,7 +2551,7 @@
           <p:cNvPr id="3" name="Picture Placeholder 2">
             <a:extLst>
               <a:ext uri="{FF2B5EF4-FFF2-40B4-BE49-F238E27FC236}">
-                <a16:creationId xmlns="" xmlns:a16="http://schemas.microsoft.com/office/drawing/2014/main" id="{7AD3BDF5-6F94-4C5F-A081-4F39CD8DF92C}"/>
+                <a16:creationId xmlns:a16="http://schemas.microsoft.com/office/drawing/2014/main" xmlns="" id="{7AD3BDF5-6F94-4C5F-A081-4F39CD8DF92C}"/>
               </a:ext>
             </a:extLst>
           </p:cNvPr>
@@ -2618,7 +2618,7 @@
           <p:cNvPr id="4" name="Text Placeholder 3">
             <a:extLst>
               <a:ext uri="{FF2B5EF4-FFF2-40B4-BE49-F238E27FC236}">
-                <a16:creationId xmlns="" xmlns:a16="http://schemas.microsoft.com/office/drawing/2014/main" id="{C669047C-3BD7-4697-A39B-E0FA10A4C5F9}"/>
+                <a16:creationId xmlns:a16="http://schemas.microsoft.com/office/drawing/2014/main" xmlns="" id="{C669047C-3BD7-4697-A39B-E0FA10A4C5F9}"/>
               </a:ext>
             </a:extLst>
           </p:cNvPr>
@@ -2689,7 +2689,7 @@
           <p:cNvPr id="5" name="Date Placeholder 4">
             <a:extLst>
               <a:ext uri="{FF2B5EF4-FFF2-40B4-BE49-F238E27FC236}">
-                <a16:creationId xmlns="" xmlns:a16="http://schemas.microsoft.com/office/drawing/2014/main" id="{6812A225-2F33-4179-8DB9-53942F3FBF3C}"/>
+                <a16:creationId xmlns:a16="http://schemas.microsoft.com/office/drawing/2014/main" xmlns="" id="{6812A225-2F33-4179-8DB9-53942F3FBF3C}"/>
               </a:ext>
             </a:extLst>
           </p:cNvPr>
@@ -2718,7 +2718,7 @@
           <p:cNvPr id="6" name="Footer Placeholder 5">
             <a:extLst>
               <a:ext uri="{FF2B5EF4-FFF2-40B4-BE49-F238E27FC236}">
-                <a16:creationId xmlns="" xmlns:a16="http://schemas.microsoft.com/office/drawing/2014/main" id="{5DCCCAF8-1A25-44ED-92D3-EAA55863C860}"/>
+                <a16:creationId xmlns:a16="http://schemas.microsoft.com/office/drawing/2014/main" xmlns="" id="{5DCCCAF8-1A25-44ED-92D3-EAA55863C860}"/>
               </a:ext>
             </a:extLst>
           </p:cNvPr>
@@ -2743,7 +2743,7 @@
           <p:cNvPr id="7" name="Slide Number Placeholder 6">
             <a:extLst>
               <a:ext uri="{FF2B5EF4-FFF2-40B4-BE49-F238E27FC236}">
-                <a16:creationId xmlns="" xmlns:a16="http://schemas.microsoft.com/office/drawing/2014/main" id="{081D2EF8-4469-4E48-998D-B582FE060B65}"/>
+                <a16:creationId xmlns:a16="http://schemas.microsoft.com/office/drawing/2014/main" xmlns="" id="{081D2EF8-4469-4E48-998D-B582FE060B65}"/>
               </a:ext>
             </a:extLst>
           </p:cNvPr>
@@ -2807,7 +2807,7 @@
           <p:cNvPr id="2" name="Title Placeholder 1">
             <a:extLst>
               <a:ext uri="{FF2B5EF4-FFF2-40B4-BE49-F238E27FC236}">
-                <a16:creationId xmlns="" xmlns:a16="http://schemas.microsoft.com/office/drawing/2014/main" id="{9CDA4241-5F65-4F1F-91FC-6A9573E87A72}"/>
+                <a16:creationId xmlns:a16="http://schemas.microsoft.com/office/drawing/2014/main" xmlns="" id="{9CDA4241-5F65-4F1F-91FC-6A9573E87A72}"/>
               </a:ext>
             </a:extLst>
           </p:cNvPr>
@@ -2846,7 +2846,7 @@
           <p:cNvPr id="3" name="Text Placeholder 2">
             <a:extLst>
               <a:ext uri="{FF2B5EF4-FFF2-40B4-BE49-F238E27FC236}">
-                <a16:creationId xmlns="" xmlns:a16="http://schemas.microsoft.com/office/drawing/2014/main" id="{3BC58C6C-4267-4E58-A71E-23F428330912}"/>
+                <a16:creationId xmlns:a16="http://schemas.microsoft.com/office/drawing/2014/main" xmlns="" id="{3BC58C6C-4267-4E58-A71E-23F428330912}"/>
               </a:ext>
             </a:extLst>
           </p:cNvPr>
@@ -2914,7 +2914,7 @@
           <p:cNvPr id="4" name="Date Placeholder 3">
             <a:extLst>
               <a:ext uri="{FF2B5EF4-FFF2-40B4-BE49-F238E27FC236}">
-                <a16:creationId xmlns="" xmlns:a16="http://schemas.microsoft.com/office/drawing/2014/main" id="{F644D2BD-1B24-4FD2-9415-DA9215D62A57}"/>
+                <a16:creationId xmlns:a16="http://schemas.microsoft.com/office/drawing/2014/main" xmlns="" id="{F644D2BD-1B24-4FD2-9415-DA9215D62A57}"/>
               </a:ext>
             </a:extLst>
           </p:cNvPr>
@@ -2961,7 +2961,7 @@
           <p:cNvPr id="5" name="Footer Placeholder 4">
             <a:extLst>
               <a:ext uri="{FF2B5EF4-FFF2-40B4-BE49-F238E27FC236}">
-                <a16:creationId xmlns="" xmlns:a16="http://schemas.microsoft.com/office/drawing/2014/main" id="{052B2DEC-4883-463C-AF09-7784E5013BE5}"/>
+                <a16:creationId xmlns:a16="http://schemas.microsoft.com/office/drawing/2014/main" xmlns="" id="{052B2DEC-4883-463C-AF09-7784E5013BE5}"/>
               </a:ext>
             </a:extLst>
           </p:cNvPr>
@@ -3004,7 +3004,7 @@
           <p:cNvPr id="6" name="Slide Number Placeholder 5">
             <a:extLst>
               <a:ext uri="{FF2B5EF4-FFF2-40B4-BE49-F238E27FC236}">
-                <a16:creationId xmlns="" xmlns:a16="http://schemas.microsoft.com/office/drawing/2014/main" id="{B91E765B-C133-4BEF-9B0E-51DD0E9F5B27}"/>
+                <a16:creationId xmlns:a16="http://schemas.microsoft.com/office/drawing/2014/main" xmlns="" id="{B91E765B-C133-4BEF-9B0E-51DD0E9F5B27}"/>
               </a:ext>
             </a:extLst>
           </p:cNvPr>
@@ -3372,7 +3372,7 @@
           <p:cNvPr id="2" name="Title 1">
             <a:extLst>
               <a:ext uri="{FF2B5EF4-FFF2-40B4-BE49-F238E27FC236}">
-                <a16:creationId xmlns="" xmlns:a16="http://schemas.microsoft.com/office/drawing/2014/main" id="{46D20EEB-69A2-4947-B9C0-B5C51449390F}"/>
+                <a16:creationId xmlns:a16="http://schemas.microsoft.com/office/drawing/2014/main" xmlns="" id="{46D20EEB-69A2-4947-B9C0-B5C51449390F}"/>
               </a:ext>
             </a:extLst>
           </p:cNvPr>
@@ -3444,6 +3444,88 @@
 </file>
 
 <file path=ppt/slides/slide2.xml><?xml version="1.0" encoding="utf-8"?>
+<p:sld xmlns:a="http://schemas.openxmlformats.org/drawingml/2006/main" xmlns:r="http://schemas.openxmlformats.org/officeDocument/2006/relationships" xmlns:p="http://schemas.openxmlformats.org/presentationml/2006/main">
+  <p:cSld>
+    <p:spTree>
+      <p:nvGrpSpPr>
+        <p:cNvPr id="1" name=""/>
+        <p:cNvGrpSpPr/>
+        <p:nvPr/>
+      </p:nvGrpSpPr>
+      <p:grpSpPr>
+        <a:xfrm>
+          <a:off x="0" y="0"/>
+          <a:ext cx="0" cy="0"/>
+          <a:chOff x="0" y="0"/>
+          <a:chExt cx="0" cy="0"/>
+        </a:xfrm>
+      </p:grpSpPr>
+      <p:sp>
+        <p:nvSpPr>
+          <p:cNvPr id="2" name="Title 1"/>
+          <p:cNvSpPr>
+            <a:spLocks noGrp="1"/>
+          </p:cNvSpPr>
+          <p:nvPr>
+            <p:ph type="title"/>
+          </p:nvPr>
+        </p:nvSpPr>
+        <p:spPr/>
+        <p:txBody>
+          <a:bodyPr/>
+          <a:lstStyle/>
+          <a:p>
+            <a:r>
+              <a:rPr lang="en-US" dirty="0" smtClean="0"/>
+              <a:t>Babel plugin (AST)</a:t>
+            </a:r>
+            <a:endParaRPr lang="en-AU" dirty="0"/>
+          </a:p>
+        </p:txBody>
+      </p:sp>
+      <p:sp>
+        <p:nvSpPr>
+          <p:cNvPr id="3" name="Content Placeholder 2"/>
+          <p:cNvSpPr>
+            <a:spLocks noGrp="1"/>
+          </p:cNvSpPr>
+          <p:nvPr>
+            <p:ph idx="1"/>
+          </p:nvPr>
+        </p:nvSpPr>
+        <p:spPr/>
+        <p:txBody>
+          <a:bodyPr/>
+          <a:lstStyle/>
+          <a:p>
+            <a:r>
+              <a:rPr lang="en-US" dirty="0" smtClean="0"/>
+              <a:t>Auto remove if/else</a:t>
+            </a:r>
+          </a:p>
+          <a:p>
+            <a:r>
+              <a:rPr lang="en-US" dirty="0" smtClean="0"/>
+              <a:t>Auto add/delete block/file</a:t>
+            </a:r>
+            <a:endParaRPr lang="en-AU" dirty="0"/>
+          </a:p>
+        </p:txBody>
+      </p:sp>
+    </p:spTree>
+    <p:extLst>
+      <p:ext uri="{BB962C8B-B14F-4D97-AF65-F5344CB8AC3E}">
+        <p14:creationId xmlns:p14="http://schemas.microsoft.com/office/powerpoint/2010/main" val="2818624545"/>
+      </p:ext>
+    </p:extLst>
+  </p:cSld>
+  <p:clrMapOvr>
+    <a:masterClrMapping/>
+  </p:clrMapOvr>
+</p:sld>
+</file>
+
+<file path=ppt/slides/slide3.xml><?xml version="1.0" encoding="utf-8"?>
 <p:sld xmlns:a="http://schemas.openxmlformats.org/drawingml/2006/main" xmlns:r="http://schemas.openxmlformats.org/officeDocument/2006/relationships" xmlns:p="http://schemas.openxmlformats.org/presentationml/2006/main">
   <p:cSld>
     <p:spTree>
@@ -3915,7 +3997,7 @@
 </p:sld>
 </file>
 
-<file path=ppt/slides/slide3.xml><?xml version="1.0" encoding="utf-8"?>
+<file path=ppt/slides/slide4.xml><?xml version="1.0" encoding="utf-8"?>
 <p:sld xmlns:a="http://schemas.openxmlformats.org/drawingml/2006/main" xmlns:r="http://schemas.openxmlformats.org/officeDocument/2006/relationships" xmlns:p="http://schemas.openxmlformats.org/presentationml/2006/main">
   <p:cSld>
     <p:spTree>
@@ -4321,7 +4403,7 @@
 </p:sld>
 </file>
 
-<file path=ppt/slides/slide4.xml><?xml version="1.0" encoding="utf-8"?>
+<file path=ppt/slides/slide5.xml><?xml version="1.0" encoding="utf-8"?>
 <p:sld xmlns:a="http://schemas.openxmlformats.org/drawingml/2006/main" xmlns:r="http://schemas.openxmlformats.org/officeDocument/2006/relationships" xmlns:p="http://schemas.openxmlformats.org/presentationml/2006/main">
   <p:cSld>
     <p:spTree>
@@ -4822,85 +4904,6 @@
 </p:sld>
 </file>
 
-<file path=ppt/slides/slide5.xml><?xml version="1.0" encoding="utf-8"?>
-<p:sld xmlns:a="http://schemas.openxmlformats.org/drawingml/2006/main" xmlns:r="http://schemas.openxmlformats.org/officeDocument/2006/relationships" xmlns:p="http://schemas.openxmlformats.org/presentationml/2006/main">
-  <p:cSld>
-    <p:spTree>
-      <p:nvGrpSpPr>
-        <p:cNvPr id="1" name=""/>
-        <p:cNvGrpSpPr/>
-        <p:nvPr/>
-      </p:nvGrpSpPr>
-      <p:grpSpPr>
-        <a:xfrm>
-          <a:off x="0" y="0"/>
-          <a:ext cx="0" cy="0"/>
-          <a:chOff x="0" y="0"/>
-          <a:chExt cx="0" cy="0"/>
-        </a:xfrm>
-      </p:grpSpPr>
-      <p:sp>
-        <p:nvSpPr>
-          <p:cNvPr id="3" name="Content Placeholder 2"/>
-          <p:cNvSpPr>
-            <a:spLocks noGrp="1"/>
-          </p:cNvSpPr>
-          <p:nvPr>
-            <p:ph idx="1"/>
-          </p:nvPr>
-        </p:nvSpPr>
-        <p:spPr/>
-        <p:txBody>
-          <a:bodyPr/>
-          <a:lstStyle/>
-          <a:p>
-            <a:pPr marL="0" indent="0">
-              <a:buNone/>
-            </a:pPr>
-            <a:r>
-              <a:rPr lang="en-US" dirty="0" smtClean="0"/>
-              <a:t>?</a:t>
-            </a:r>
-            <a:endParaRPr lang="en-AU" dirty="0"/>
-          </a:p>
-        </p:txBody>
-      </p:sp>
-      <p:sp>
-        <p:nvSpPr>
-          <p:cNvPr id="4" name="Title 1"/>
-          <p:cNvSpPr>
-            <a:spLocks noGrp="1"/>
-          </p:cNvSpPr>
-          <p:nvPr>
-            <p:ph type="title"/>
-          </p:nvPr>
-        </p:nvSpPr>
-        <p:spPr/>
-        <p:txBody>
-          <a:bodyPr/>
-          <a:lstStyle/>
-          <a:p>
-            <a:r>
-              <a:rPr lang="en-AU" dirty="0" smtClean="0"/>
-              <a:t>Scenario4: dirty mix (not allowed)</a:t>
-            </a:r>
-            <a:endParaRPr lang="en-AU" dirty="0"/>
-          </a:p>
-        </p:txBody>
-      </p:sp>
-    </p:spTree>
-    <p:extLst>
-      <p:ext uri="{BB962C8B-B14F-4D97-AF65-F5344CB8AC3E}">
-        <p14:creationId xmlns:p14="http://schemas.microsoft.com/office/powerpoint/2010/main" val="4164999228"/>
-      </p:ext>
-    </p:extLst>
-  </p:cSld>
-  <p:clrMapOvr>
-    <a:masterClrMapping/>
-  </p:clrMapOvr>
-</p:sld>
-</file>
-
 <file path=ppt/slides/slide6.xml><?xml version="1.0" encoding="utf-8"?>
 <p:sld xmlns:a="http://schemas.openxmlformats.org/drawingml/2006/main" xmlns:r="http://schemas.openxmlformats.org/officeDocument/2006/relationships" xmlns:p="http://schemas.openxmlformats.org/presentationml/2006/main">
   <p:cSld>
@@ -4920,7 +4923,33 @@
       </p:grpSpPr>
       <p:sp>
         <p:nvSpPr>
-          <p:cNvPr id="2" name="Title 1"/>
+          <p:cNvPr id="3" name="Content Placeholder 2"/>
+          <p:cNvSpPr>
+            <a:spLocks noGrp="1"/>
+          </p:cNvSpPr>
+          <p:nvPr>
+            <p:ph idx="1"/>
+          </p:nvPr>
+        </p:nvSpPr>
+        <p:spPr/>
+        <p:txBody>
+          <a:bodyPr/>
+          <a:lstStyle/>
+          <a:p>
+            <a:pPr marL="0" indent="0">
+              <a:buNone/>
+            </a:pPr>
+            <a:r>
+              <a:rPr lang="en-US" dirty="0" smtClean="0"/>
+              <a:t>?</a:t>
+            </a:r>
+            <a:endParaRPr lang="en-AU" dirty="0"/>
+          </a:p>
+        </p:txBody>
+      </p:sp>
+      <p:sp>
+        <p:nvSpPr>
+          <p:cNvPr id="4" name="Title 1"/>
           <p:cNvSpPr>
             <a:spLocks noGrp="1"/>
           </p:cNvSpPr>
@@ -4934,37 +4963,8 @@
           <a:lstStyle/>
           <a:p>
             <a:r>
-              <a:rPr lang="en-US" dirty="0" smtClean="0"/>
-              <a:t>Babel plugin (AST)</a:t>
-            </a:r>
-            <a:endParaRPr lang="en-AU" dirty="0"/>
-          </a:p>
-        </p:txBody>
-      </p:sp>
-      <p:sp>
-        <p:nvSpPr>
-          <p:cNvPr id="3" name="Content Placeholder 2"/>
-          <p:cNvSpPr>
-            <a:spLocks noGrp="1"/>
-          </p:cNvSpPr>
-          <p:nvPr>
-            <p:ph idx="1"/>
-          </p:nvPr>
-        </p:nvSpPr>
-        <p:spPr/>
-        <p:txBody>
-          <a:bodyPr/>
-          <a:lstStyle/>
-          <a:p>
-            <a:r>
-              <a:rPr lang="en-US" dirty="0" smtClean="0"/>
-              <a:t>Auto remove if/else</a:t>
-            </a:r>
-          </a:p>
-          <a:p>
-            <a:r>
-              <a:rPr lang="en-US" dirty="0" smtClean="0"/>
-              <a:t>Auto add/delete block/file</a:t>
+              <a:rPr lang="en-AU" dirty="0" smtClean="0"/>
+              <a:t>Scenario4: dirty mix (not allowed)</a:t>
             </a:r>
             <a:endParaRPr lang="en-AU" dirty="0"/>
           </a:p>
@@ -4973,7 +4973,7 @@
     </p:spTree>
     <p:extLst>
       <p:ext uri="{BB962C8B-B14F-4D97-AF65-F5344CB8AC3E}">
-        <p14:creationId xmlns:p14="http://schemas.microsoft.com/office/powerpoint/2010/main" val="2818624545"/>
+        <p14:creationId xmlns:p14="http://schemas.microsoft.com/office/powerpoint/2010/main" val="4164999228"/>
       </p:ext>
     </p:extLst>
   </p:cSld>
@@ -5272,7 +5272,7 @@
   <a:extraClrSchemeLst/>
   <a:extLst>
     <a:ext uri="{05A4C25C-085E-4340-85A3-A5531E510DB2}">
-      <thm15:themeFamily xmlns="" xmlns:thm15="http://schemas.microsoft.com/office/thememl/2012/main" name="Office Theme" id="{62F939B6-93AF-4DB8-9C6B-D6C7DFDC589F}" vid="{4A3C46E8-61CC-4603-A589-7422A47A8E4A}"/>
+      <thm15:themeFamily xmlns:thm15="http://schemas.microsoft.com/office/thememl/2012/main" xmlns="" name="Office Theme" id="{62F939B6-93AF-4DB8-9C6B-D6C7DFDC589F}" vid="{4A3C46E8-61CC-4603-A589-7422A47A8E4A}"/>
     </a:ext>
   </a:extLst>
 </a:theme>

--- a/featureToggles -b.pptx
+++ b/featureToggles -b.pptx
@@ -111,7 +111,7 @@
   </p:defaultTextStyle>
   <p:extLst>
     <p:ext uri="{EFAFB233-063F-42B5-8137-9DF3F51BA10A}">
-      <p15:sldGuideLst xmlns:p15="http://schemas.microsoft.com/office/powerpoint/2012/main" xmlns="">
+      <p15:sldGuideLst xmlns="" xmlns:p15="http://schemas.microsoft.com/office/powerpoint/2012/main">
         <p15:guide id="1" orient="horz" pos="2160">
           <p15:clr>
             <a:srgbClr val="A4A3A4"/>
@@ -154,7 +154,7 @@
           <p:cNvPr id="2" name="Title 1">
             <a:extLst>
               <a:ext uri="{FF2B5EF4-FFF2-40B4-BE49-F238E27FC236}">
-                <a16:creationId xmlns:a16="http://schemas.microsoft.com/office/drawing/2014/main" xmlns="" id="{38F81ACD-8C1F-4BB2-BA73-47F37386D344}"/>
+                <a16:creationId xmlns="" xmlns:a16="http://schemas.microsoft.com/office/drawing/2014/main" id="{38F81ACD-8C1F-4BB2-BA73-47F37386D344}"/>
               </a:ext>
             </a:extLst>
           </p:cNvPr>
@@ -192,7 +192,7 @@
           <p:cNvPr id="3" name="Subtitle 2">
             <a:extLst>
               <a:ext uri="{FF2B5EF4-FFF2-40B4-BE49-F238E27FC236}">
-                <a16:creationId xmlns:a16="http://schemas.microsoft.com/office/drawing/2014/main" xmlns="" id="{5BDFD646-F3F1-4378-91F9-75517FA3A993}"/>
+                <a16:creationId xmlns="" xmlns:a16="http://schemas.microsoft.com/office/drawing/2014/main" id="{5BDFD646-F3F1-4378-91F9-75517FA3A993}"/>
               </a:ext>
             </a:extLst>
           </p:cNvPr>
@@ -263,7 +263,7 @@
           <p:cNvPr id="4" name="Date Placeholder 3">
             <a:extLst>
               <a:ext uri="{FF2B5EF4-FFF2-40B4-BE49-F238E27FC236}">
-                <a16:creationId xmlns:a16="http://schemas.microsoft.com/office/drawing/2014/main" xmlns="" id="{C116471B-760C-4B29-BC65-A5261A6DD762}"/>
+                <a16:creationId xmlns="" xmlns:a16="http://schemas.microsoft.com/office/drawing/2014/main" id="{C116471B-760C-4B29-BC65-A5261A6DD762}"/>
               </a:ext>
             </a:extLst>
           </p:cNvPr>
@@ -292,7 +292,7 @@
           <p:cNvPr id="5" name="Footer Placeholder 4">
             <a:extLst>
               <a:ext uri="{FF2B5EF4-FFF2-40B4-BE49-F238E27FC236}">
-                <a16:creationId xmlns:a16="http://schemas.microsoft.com/office/drawing/2014/main" xmlns="" id="{55048D6F-E27F-402B-9B6C-750D1A2AD34A}"/>
+                <a16:creationId xmlns="" xmlns:a16="http://schemas.microsoft.com/office/drawing/2014/main" id="{55048D6F-E27F-402B-9B6C-750D1A2AD34A}"/>
               </a:ext>
             </a:extLst>
           </p:cNvPr>
@@ -317,7 +317,7 @@
           <p:cNvPr id="6" name="Slide Number Placeholder 5">
             <a:extLst>
               <a:ext uri="{FF2B5EF4-FFF2-40B4-BE49-F238E27FC236}">
-                <a16:creationId xmlns:a16="http://schemas.microsoft.com/office/drawing/2014/main" xmlns="" id="{B3E9A2DE-C84E-4DC5-AA0C-C45C8E1E15A5}"/>
+                <a16:creationId xmlns="" xmlns:a16="http://schemas.microsoft.com/office/drawing/2014/main" id="{B3E9A2DE-C84E-4DC5-AA0C-C45C8E1E15A5}"/>
               </a:ext>
             </a:extLst>
           </p:cNvPr>
@@ -376,7 +376,7 @@
           <p:cNvPr id="2" name="Title 1">
             <a:extLst>
               <a:ext uri="{FF2B5EF4-FFF2-40B4-BE49-F238E27FC236}">
-                <a16:creationId xmlns:a16="http://schemas.microsoft.com/office/drawing/2014/main" xmlns="" id="{7C0EFEF6-DAD2-401D-8CEF-58DEEDA30E36}"/>
+                <a16:creationId xmlns="" xmlns:a16="http://schemas.microsoft.com/office/drawing/2014/main" id="{7C0EFEF6-DAD2-401D-8CEF-58DEEDA30E36}"/>
               </a:ext>
             </a:extLst>
           </p:cNvPr>
@@ -405,7 +405,7 @@
           <p:cNvPr id="3" name="Vertical Text Placeholder 2">
             <a:extLst>
               <a:ext uri="{FF2B5EF4-FFF2-40B4-BE49-F238E27FC236}">
-                <a16:creationId xmlns:a16="http://schemas.microsoft.com/office/drawing/2014/main" xmlns="" id="{117EED84-C3CB-4AF5-AD23-90CA35E96273}"/>
+                <a16:creationId xmlns="" xmlns:a16="http://schemas.microsoft.com/office/drawing/2014/main" id="{117EED84-C3CB-4AF5-AD23-90CA35E96273}"/>
               </a:ext>
             </a:extLst>
           </p:cNvPr>
@@ -463,7 +463,7 @@
           <p:cNvPr id="4" name="Date Placeholder 3">
             <a:extLst>
               <a:ext uri="{FF2B5EF4-FFF2-40B4-BE49-F238E27FC236}">
-                <a16:creationId xmlns:a16="http://schemas.microsoft.com/office/drawing/2014/main" xmlns="" id="{004A36D1-B023-456D-A05D-E708709D6B75}"/>
+                <a16:creationId xmlns="" xmlns:a16="http://schemas.microsoft.com/office/drawing/2014/main" id="{004A36D1-B023-456D-A05D-E708709D6B75}"/>
               </a:ext>
             </a:extLst>
           </p:cNvPr>
@@ -492,7 +492,7 @@
           <p:cNvPr id="5" name="Footer Placeholder 4">
             <a:extLst>
               <a:ext uri="{FF2B5EF4-FFF2-40B4-BE49-F238E27FC236}">
-                <a16:creationId xmlns:a16="http://schemas.microsoft.com/office/drawing/2014/main" xmlns="" id="{05D3A2AD-699E-462A-B229-90E89740B46F}"/>
+                <a16:creationId xmlns="" xmlns:a16="http://schemas.microsoft.com/office/drawing/2014/main" id="{05D3A2AD-699E-462A-B229-90E89740B46F}"/>
               </a:ext>
             </a:extLst>
           </p:cNvPr>
@@ -517,7 +517,7 @@
           <p:cNvPr id="6" name="Slide Number Placeholder 5">
             <a:extLst>
               <a:ext uri="{FF2B5EF4-FFF2-40B4-BE49-F238E27FC236}">
-                <a16:creationId xmlns:a16="http://schemas.microsoft.com/office/drawing/2014/main" xmlns="" id="{9050A44C-61DD-456A-8955-C46F258F8157}"/>
+                <a16:creationId xmlns="" xmlns:a16="http://schemas.microsoft.com/office/drawing/2014/main" id="{9050A44C-61DD-456A-8955-C46F258F8157}"/>
               </a:ext>
             </a:extLst>
           </p:cNvPr>
@@ -576,7 +576,7 @@
           <p:cNvPr id="2" name="Vertical Title 1">
             <a:extLst>
               <a:ext uri="{FF2B5EF4-FFF2-40B4-BE49-F238E27FC236}">
-                <a16:creationId xmlns:a16="http://schemas.microsoft.com/office/drawing/2014/main" xmlns="" id="{F5377BB8-079C-4A89-A9FD-32FF6E883D75}"/>
+                <a16:creationId xmlns="" xmlns:a16="http://schemas.microsoft.com/office/drawing/2014/main" id="{F5377BB8-079C-4A89-A9FD-32FF6E883D75}"/>
               </a:ext>
             </a:extLst>
           </p:cNvPr>
@@ -610,7 +610,7 @@
           <p:cNvPr id="3" name="Vertical Text Placeholder 2">
             <a:extLst>
               <a:ext uri="{FF2B5EF4-FFF2-40B4-BE49-F238E27FC236}">
-                <a16:creationId xmlns:a16="http://schemas.microsoft.com/office/drawing/2014/main" xmlns="" id="{EB81C5F0-725D-449A-8EF3-6531E2FA1AA8}"/>
+                <a16:creationId xmlns="" xmlns:a16="http://schemas.microsoft.com/office/drawing/2014/main" id="{EB81C5F0-725D-449A-8EF3-6531E2FA1AA8}"/>
               </a:ext>
             </a:extLst>
           </p:cNvPr>
@@ -673,7 +673,7 @@
           <p:cNvPr id="4" name="Date Placeholder 3">
             <a:extLst>
               <a:ext uri="{FF2B5EF4-FFF2-40B4-BE49-F238E27FC236}">
-                <a16:creationId xmlns:a16="http://schemas.microsoft.com/office/drawing/2014/main" xmlns="" id="{FC0181BA-19FD-4050-9029-64DEBEBE498A}"/>
+                <a16:creationId xmlns="" xmlns:a16="http://schemas.microsoft.com/office/drawing/2014/main" id="{FC0181BA-19FD-4050-9029-64DEBEBE498A}"/>
               </a:ext>
             </a:extLst>
           </p:cNvPr>
@@ -702,7 +702,7 @@
           <p:cNvPr id="5" name="Footer Placeholder 4">
             <a:extLst>
               <a:ext uri="{FF2B5EF4-FFF2-40B4-BE49-F238E27FC236}">
-                <a16:creationId xmlns:a16="http://schemas.microsoft.com/office/drawing/2014/main" xmlns="" id="{C5BBB84B-A425-43A6-9E6B-AF292D520063}"/>
+                <a16:creationId xmlns="" xmlns:a16="http://schemas.microsoft.com/office/drawing/2014/main" id="{C5BBB84B-A425-43A6-9E6B-AF292D520063}"/>
               </a:ext>
             </a:extLst>
           </p:cNvPr>
@@ -727,7 +727,7 @@
           <p:cNvPr id="6" name="Slide Number Placeholder 5">
             <a:extLst>
               <a:ext uri="{FF2B5EF4-FFF2-40B4-BE49-F238E27FC236}">
-                <a16:creationId xmlns:a16="http://schemas.microsoft.com/office/drawing/2014/main" xmlns="" id="{C6BEEE56-BCA2-41E1-8198-EA1D0263C7A3}"/>
+                <a16:creationId xmlns="" xmlns:a16="http://schemas.microsoft.com/office/drawing/2014/main" id="{C6BEEE56-BCA2-41E1-8198-EA1D0263C7A3}"/>
               </a:ext>
             </a:extLst>
           </p:cNvPr>
@@ -786,7 +786,7 @@
           <p:cNvPr id="2" name="Title 1">
             <a:extLst>
               <a:ext uri="{FF2B5EF4-FFF2-40B4-BE49-F238E27FC236}">
-                <a16:creationId xmlns:a16="http://schemas.microsoft.com/office/drawing/2014/main" xmlns="" id="{1FAB533F-D466-4C2E-A38D-D6DAB9435884}"/>
+                <a16:creationId xmlns="" xmlns:a16="http://schemas.microsoft.com/office/drawing/2014/main" id="{1FAB533F-D466-4C2E-A38D-D6DAB9435884}"/>
               </a:ext>
             </a:extLst>
           </p:cNvPr>
@@ -815,7 +815,7 @@
           <p:cNvPr id="3" name="Content Placeholder 2">
             <a:extLst>
               <a:ext uri="{FF2B5EF4-FFF2-40B4-BE49-F238E27FC236}">
-                <a16:creationId xmlns:a16="http://schemas.microsoft.com/office/drawing/2014/main" xmlns="" id="{25260A0A-1EB9-4D07-8FE5-FEE29792F594}"/>
+                <a16:creationId xmlns="" xmlns:a16="http://schemas.microsoft.com/office/drawing/2014/main" id="{25260A0A-1EB9-4D07-8FE5-FEE29792F594}"/>
               </a:ext>
             </a:extLst>
           </p:cNvPr>
@@ -873,7 +873,7 @@
           <p:cNvPr id="4" name="Date Placeholder 3">
             <a:extLst>
               <a:ext uri="{FF2B5EF4-FFF2-40B4-BE49-F238E27FC236}">
-                <a16:creationId xmlns:a16="http://schemas.microsoft.com/office/drawing/2014/main" xmlns="" id="{A1C8AA27-F3BA-44A6-9B2B-C315B74FFBA5}"/>
+                <a16:creationId xmlns="" xmlns:a16="http://schemas.microsoft.com/office/drawing/2014/main" id="{A1C8AA27-F3BA-44A6-9B2B-C315B74FFBA5}"/>
               </a:ext>
             </a:extLst>
           </p:cNvPr>
@@ -902,7 +902,7 @@
           <p:cNvPr id="5" name="Footer Placeholder 4">
             <a:extLst>
               <a:ext uri="{FF2B5EF4-FFF2-40B4-BE49-F238E27FC236}">
-                <a16:creationId xmlns:a16="http://schemas.microsoft.com/office/drawing/2014/main" xmlns="" id="{FDAE1B9D-3A65-4218-9B24-F7F07259FE98}"/>
+                <a16:creationId xmlns="" xmlns:a16="http://schemas.microsoft.com/office/drawing/2014/main" id="{FDAE1B9D-3A65-4218-9B24-F7F07259FE98}"/>
               </a:ext>
             </a:extLst>
           </p:cNvPr>
@@ -927,7 +927,7 @@
           <p:cNvPr id="6" name="Slide Number Placeholder 5">
             <a:extLst>
               <a:ext uri="{FF2B5EF4-FFF2-40B4-BE49-F238E27FC236}">
-                <a16:creationId xmlns:a16="http://schemas.microsoft.com/office/drawing/2014/main" xmlns="" id="{7F6469AC-87CC-4110-853E-4EF47FB24469}"/>
+                <a16:creationId xmlns="" xmlns:a16="http://schemas.microsoft.com/office/drawing/2014/main" id="{7F6469AC-87CC-4110-853E-4EF47FB24469}"/>
               </a:ext>
             </a:extLst>
           </p:cNvPr>
@@ -986,7 +986,7 @@
           <p:cNvPr id="2" name="Title 1">
             <a:extLst>
               <a:ext uri="{FF2B5EF4-FFF2-40B4-BE49-F238E27FC236}">
-                <a16:creationId xmlns:a16="http://schemas.microsoft.com/office/drawing/2014/main" xmlns="" id="{7CD84C07-8032-40E4-8188-26C90C375735}"/>
+                <a16:creationId xmlns="" xmlns:a16="http://schemas.microsoft.com/office/drawing/2014/main" id="{7CD84C07-8032-40E4-8188-26C90C375735}"/>
               </a:ext>
             </a:extLst>
           </p:cNvPr>
@@ -1024,7 +1024,7 @@
           <p:cNvPr id="3" name="Text Placeholder 2">
             <a:extLst>
               <a:ext uri="{FF2B5EF4-FFF2-40B4-BE49-F238E27FC236}">
-                <a16:creationId xmlns:a16="http://schemas.microsoft.com/office/drawing/2014/main" xmlns="" id="{58BBB9ED-EEEF-486B-BBD2-B0F5F29FB751}"/>
+                <a16:creationId xmlns="" xmlns:a16="http://schemas.microsoft.com/office/drawing/2014/main" id="{58BBB9ED-EEEF-486B-BBD2-B0F5F29FB751}"/>
               </a:ext>
             </a:extLst>
           </p:cNvPr>
@@ -1149,7 +1149,7 @@
           <p:cNvPr id="4" name="Date Placeholder 3">
             <a:extLst>
               <a:ext uri="{FF2B5EF4-FFF2-40B4-BE49-F238E27FC236}">
-                <a16:creationId xmlns:a16="http://schemas.microsoft.com/office/drawing/2014/main" xmlns="" id="{C1886328-7A1B-432B-899F-09D7885145D0}"/>
+                <a16:creationId xmlns="" xmlns:a16="http://schemas.microsoft.com/office/drawing/2014/main" id="{C1886328-7A1B-432B-899F-09D7885145D0}"/>
               </a:ext>
             </a:extLst>
           </p:cNvPr>
@@ -1178,7 +1178,7 @@
           <p:cNvPr id="5" name="Footer Placeholder 4">
             <a:extLst>
               <a:ext uri="{FF2B5EF4-FFF2-40B4-BE49-F238E27FC236}">
-                <a16:creationId xmlns:a16="http://schemas.microsoft.com/office/drawing/2014/main" xmlns="" id="{687EDC61-8E2E-47AA-B91B-3A51ED2E1244}"/>
+                <a16:creationId xmlns="" xmlns:a16="http://schemas.microsoft.com/office/drawing/2014/main" id="{687EDC61-8E2E-47AA-B91B-3A51ED2E1244}"/>
               </a:ext>
             </a:extLst>
           </p:cNvPr>
@@ -1203,7 +1203,7 @@
           <p:cNvPr id="6" name="Slide Number Placeholder 5">
             <a:extLst>
               <a:ext uri="{FF2B5EF4-FFF2-40B4-BE49-F238E27FC236}">
-                <a16:creationId xmlns:a16="http://schemas.microsoft.com/office/drawing/2014/main" xmlns="" id="{7D9AD1A8-963F-4E0F-A996-1D59DEB2AB11}"/>
+                <a16:creationId xmlns="" xmlns:a16="http://schemas.microsoft.com/office/drawing/2014/main" id="{7D9AD1A8-963F-4E0F-A996-1D59DEB2AB11}"/>
               </a:ext>
             </a:extLst>
           </p:cNvPr>
@@ -1262,7 +1262,7 @@
           <p:cNvPr id="2" name="Title 1">
             <a:extLst>
               <a:ext uri="{FF2B5EF4-FFF2-40B4-BE49-F238E27FC236}">
-                <a16:creationId xmlns:a16="http://schemas.microsoft.com/office/drawing/2014/main" xmlns="" id="{F94DB45A-071D-4C99-A5B5-35979556A0CC}"/>
+                <a16:creationId xmlns="" xmlns:a16="http://schemas.microsoft.com/office/drawing/2014/main" id="{F94DB45A-071D-4C99-A5B5-35979556A0CC}"/>
               </a:ext>
             </a:extLst>
           </p:cNvPr>
@@ -1291,7 +1291,7 @@
           <p:cNvPr id="3" name="Content Placeholder 2">
             <a:extLst>
               <a:ext uri="{FF2B5EF4-FFF2-40B4-BE49-F238E27FC236}">
-                <a16:creationId xmlns:a16="http://schemas.microsoft.com/office/drawing/2014/main" xmlns="" id="{0A2162A9-A21E-4501-AC10-15F68B1F8653}"/>
+                <a16:creationId xmlns="" xmlns:a16="http://schemas.microsoft.com/office/drawing/2014/main" id="{0A2162A9-A21E-4501-AC10-15F68B1F8653}"/>
               </a:ext>
             </a:extLst>
           </p:cNvPr>
@@ -1354,7 +1354,7 @@
           <p:cNvPr id="4" name="Content Placeholder 3">
             <a:extLst>
               <a:ext uri="{FF2B5EF4-FFF2-40B4-BE49-F238E27FC236}">
-                <a16:creationId xmlns:a16="http://schemas.microsoft.com/office/drawing/2014/main" xmlns="" id="{C9808B4B-FAC3-4EF5-945D-276AEBCEEB56}"/>
+                <a16:creationId xmlns="" xmlns:a16="http://schemas.microsoft.com/office/drawing/2014/main" id="{C9808B4B-FAC3-4EF5-945D-276AEBCEEB56}"/>
               </a:ext>
             </a:extLst>
           </p:cNvPr>
@@ -1417,7 +1417,7 @@
           <p:cNvPr id="5" name="Date Placeholder 4">
             <a:extLst>
               <a:ext uri="{FF2B5EF4-FFF2-40B4-BE49-F238E27FC236}">
-                <a16:creationId xmlns:a16="http://schemas.microsoft.com/office/drawing/2014/main" xmlns="" id="{111E4125-3763-4CDE-A124-A7F37129BF6F}"/>
+                <a16:creationId xmlns="" xmlns:a16="http://schemas.microsoft.com/office/drawing/2014/main" id="{111E4125-3763-4CDE-A124-A7F37129BF6F}"/>
               </a:ext>
             </a:extLst>
           </p:cNvPr>
@@ -1446,7 +1446,7 @@
           <p:cNvPr id="6" name="Footer Placeholder 5">
             <a:extLst>
               <a:ext uri="{FF2B5EF4-FFF2-40B4-BE49-F238E27FC236}">
-                <a16:creationId xmlns:a16="http://schemas.microsoft.com/office/drawing/2014/main" xmlns="" id="{6A31F033-2EFA-4A06-8CCE-4CC9C6D6F2C9}"/>
+                <a16:creationId xmlns="" xmlns:a16="http://schemas.microsoft.com/office/drawing/2014/main" id="{6A31F033-2EFA-4A06-8CCE-4CC9C6D6F2C9}"/>
               </a:ext>
             </a:extLst>
           </p:cNvPr>
@@ -1471,7 +1471,7 @@
           <p:cNvPr id="7" name="Slide Number Placeholder 6">
             <a:extLst>
               <a:ext uri="{FF2B5EF4-FFF2-40B4-BE49-F238E27FC236}">
-                <a16:creationId xmlns:a16="http://schemas.microsoft.com/office/drawing/2014/main" xmlns="" id="{39784076-D524-4AB4-96F2-C3CDEFC47AB1}"/>
+                <a16:creationId xmlns="" xmlns:a16="http://schemas.microsoft.com/office/drawing/2014/main" id="{39784076-D524-4AB4-96F2-C3CDEFC47AB1}"/>
               </a:ext>
             </a:extLst>
           </p:cNvPr>
@@ -1530,7 +1530,7 @@
           <p:cNvPr id="2" name="Title 1">
             <a:extLst>
               <a:ext uri="{FF2B5EF4-FFF2-40B4-BE49-F238E27FC236}">
-                <a16:creationId xmlns:a16="http://schemas.microsoft.com/office/drawing/2014/main" xmlns="" id="{B745368A-B171-42D4-B621-B342A8582657}"/>
+                <a16:creationId xmlns="" xmlns:a16="http://schemas.microsoft.com/office/drawing/2014/main" id="{B745368A-B171-42D4-B621-B342A8582657}"/>
               </a:ext>
             </a:extLst>
           </p:cNvPr>
@@ -1564,7 +1564,7 @@
           <p:cNvPr id="3" name="Text Placeholder 2">
             <a:extLst>
               <a:ext uri="{FF2B5EF4-FFF2-40B4-BE49-F238E27FC236}">
-                <a16:creationId xmlns:a16="http://schemas.microsoft.com/office/drawing/2014/main" xmlns="" id="{6EB5C1D4-3980-42FF-B1F5-02359E1FF18B}"/>
+                <a16:creationId xmlns="" xmlns:a16="http://schemas.microsoft.com/office/drawing/2014/main" id="{6EB5C1D4-3980-42FF-B1F5-02359E1FF18B}"/>
               </a:ext>
             </a:extLst>
           </p:cNvPr>
@@ -1635,7 +1635,7 @@
           <p:cNvPr id="4" name="Content Placeholder 3">
             <a:extLst>
               <a:ext uri="{FF2B5EF4-FFF2-40B4-BE49-F238E27FC236}">
-                <a16:creationId xmlns:a16="http://schemas.microsoft.com/office/drawing/2014/main" xmlns="" id="{83C8D96C-588F-4783-A633-494FB037A1EE}"/>
+                <a16:creationId xmlns="" xmlns:a16="http://schemas.microsoft.com/office/drawing/2014/main" id="{83C8D96C-588F-4783-A633-494FB037A1EE}"/>
               </a:ext>
             </a:extLst>
           </p:cNvPr>
@@ -1698,7 +1698,7 @@
           <p:cNvPr id="5" name="Text Placeholder 4">
             <a:extLst>
               <a:ext uri="{FF2B5EF4-FFF2-40B4-BE49-F238E27FC236}">
-                <a16:creationId xmlns:a16="http://schemas.microsoft.com/office/drawing/2014/main" xmlns="" id="{28667787-A838-4CC1-A1ED-AE08B50E6BCC}"/>
+                <a16:creationId xmlns="" xmlns:a16="http://schemas.microsoft.com/office/drawing/2014/main" id="{28667787-A838-4CC1-A1ED-AE08B50E6BCC}"/>
               </a:ext>
             </a:extLst>
           </p:cNvPr>
@@ -1769,7 +1769,7 @@
           <p:cNvPr id="6" name="Content Placeholder 5">
             <a:extLst>
               <a:ext uri="{FF2B5EF4-FFF2-40B4-BE49-F238E27FC236}">
-                <a16:creationId xmlns:a16="http://schemas.microsoft.com/office/drawing/2014/main" xmlns="" id="{7B40A859-B47C-4D03-8DBB-62106BCC6396}"/>
+                <a16:creationId xmlns="" xmlns:a16="http://schemas.microsoft.com/office/drawing/2014/main" id="{7B40A859-B47C-4D03-8DBB-62106BCC6396}"/>
               </a:ext>
             </a:extLst>
           </p:cNvPr>
@@ -1832,7 +1832,7 @@
           <p:cNvPr id="7" name="Date Placeholder 6">
             <a:extLst>
               <a:ext uri="{FF2B5EF4-FFF2-40B4-BE49-F238E27FC236}">
-                <a16:creationId xmlns:a16="http://schemas.microsoft.com/office/drawing/2014/main" xmlns="" id="{9E8971B1-954C-4FAC-B307-11F8197CCC26}"/>
+                <a16:creationId xmlns="" xmlns:a16="http://schemas.microsoft.com/office/drawing/2014/main" id="{9E8971B1-954C-4FAC-B307-11F8197CCC26}"/>
               </a:ext>
             </a:extLst>
           </p:cNvPr>
@@ -1861,7 +1861,7 @@
           <p:cNvPr id="8" name="Footer Placeholder 7">
             <a:extLst>
               <a:ext uri="{FF2B5EF4-FFF2-40B4-BE49-F238E27FC236}">
-                <a16:creationId xmlns:a16="http://schemas.microsoft.com/office/drawing/2014/main" xmlns="" id="{495E3B1A-D948-4A43-9383-89A59162C90A}"/>
+                <a16:creationId xmlns="" xmlns:a16="http://schemas.microsoft.com/office/drawing/2014/main" id="{495E3B1A-D948-4A43-9383-89A59162C90A}"/>
               </a:ext>
             </a:extLst>
           </p:cNvPr>
@@ -1886,7 +1886,7 @@
           <p:cNvPr id="9" name="Slide Number Placeholder 8">
             <a:extLst>
               <a:ext uri="{FF2B5EF4-FFF2-40B4-BE49-F238E27FC236}">
-                <a16:creationId xmlns:a16="http://schemas.microsoft.com/office/drawing/2014/main" xmlns="" id="{3104F6C4-5756-4122-8B27-29C65B744BB6}"/>
+                <a16:creationId xmlns="" xmlns:a16="http://schemas.microsoft.com/office/drawing/2014/main" id="{3104F6C4-5756-4122-8B27-29C65B744BB6}"/>
               </a:ext>
             </a:extLst>
           </p:cNvPr>
@@ -1945,7 +1945,7 @@
           <p:cNvPr id="2" name="Title 1">
             <a:extLst>
               <a:ext uri="{FF2B5EF4-FFF2-40B4-BE49-F238E27FC236}">
-                <a16:creationId xmlns:a16="http://schemas.microsoft.com/office/drawing/2014/main" xmlns="" id="{204971F9-7824-41A4-8398-B33DB2E25B17}"/>
+                <a16:creationId xmlns="" xmlns:a16="http://schemas.microsoft.com/office/drawing/2014/main" id="{204971F9-7824-41A4-8398-B33DB2E25B17}"/>
               </a:ext>
             </a:extLst>
           </p:cNvPr>
@@ -1974,7 +1974,7 @@
           <p:cNvPr id="3" name="Date Placeholder 2">
             <a:extLst>
               <a:ext uri="{FF2B5EF4-FFF2-40B4-BE49-F238E27FC236}">
-                <a16:creationId xmlns:a16="http://schemas.microsoft.com/office/drawing/2014/main" xmlns="" id="{2CD14C02-4114-42B0-A0A0-1561A896C5F6}"/>
+                <a16:creationId xmlns="" xmlns:a16="http://schemas.microsoft.com/office/drawing/2014/main" id="{2CD14C02-4114-42B0-A0A0-1561A896C5F6}"/>
               </a:ext>
             </a:extLst>
           </p:cNvPr>
@@ -2003,7 +2003,7 @@
           <p:cNvPr id="4" name="Footer Placeholder 3">
             <a:extLst>
               <a:ext uri="{FF2B5EF4-FFF2-40B4-BE49-F238E27FC236}">
-                <a16:creationId xmlns:a16="http://schemas.microsoft.com/office/drawing/2014/main" xmlns="" id="{69224448-8C00-4357-8694-938F1723F49C}"/>
+                <a16:creationId xmlns="" xmlns:a16="http://schemas.microsoft.com/office/drawing/2014/main" id="{69224448-8C00-4357-8694-938F1723F49C}"/>
               </a:ext>
             </a:extLst>
           </p:cNvPr>
@@ -2028,7 +2028,7 @@
           <p:cNvPr id="5" name="Slide Number Placeholder 4">
             <a:extLst>
               <a:ext uri="{FF2B5EF4-FFF2-40B4-BE49-F238E27FC236}">
-                <a16:creationId xmlns:a16="http://schemas.microsoft.com/office/drawing/2014/main" xmlns="" id="{6C7DCA96-9B71-49D7-B19E-DF6F73963068}"/>
+                <a16:creationId xmlns="" xmlns:a16="http://schemas.microsoft.com/office/drawing/2014/main" id="{6C7DCA96-9B71-49D7-B19E-DF6F73963068}"/>
               </a:ext>
             </a:extLst>
           </p:cNvPr>
@@ -2087,7 +2087,7 @@
           <p:cNvPr id="2" name="Date Placeholder 1">
             <a:extLst>
               <a:ext uri="{FF2B5EF4-FFF2-40B4-BE49-F238E27FC236}">
-                <a16:creationId xmlns:a16="http://schemas.microsoft.com/office/drawing/2014/main" xmlns="" id="{E8DF68A8-5D4D-47DE-A680-03D5A49717C6}"/>
+                <a16:creationId xmlns="" xmlns:a16="http://schemas.microsoft.com/office/drawing/2014/main" id="{E8DF68A8-5D4D-47DE-A680-03D5A49717C6}"/>
               </a:ext>
             </a:extLst>
           </p:cNvPr>
@@ -2116,7 +2116,7 @@
           <p:cNvPr id="3" name="Footer Placeholder 2">
             <a:extLst>
               <a:ext uri="{FF2B5EF4-FFF2-40B4-BE49-F238E27FC236}">
-                <a16:creationId xmlns:a16="http://schemas.microsoft.com/office/drawing/2014/main" xmlns="" id="{155CD824-5C15-4A04-82D3-7B629C181F19}"/>
+                <a16:creationId xmlns="" xmlns:a16="http://schemas.microsoft.com/office/drawing/2014/main" id="{155CD824-5C15-4A04-82D3-7B629C181F19}"/>
               </a:ext>
             </a:extLst>
           </p:cNvPr>
@@ -2141,7 +2141,7 @@
           <p:cNvPr id="4" name="Slide Number Placeholder 3">
             <a:extLst>
               <a:ext uri="{FF2B5EF4-FFF2-40B4-BE49-F238E27FC236}">
-                <a16:creationId xmlns:a16="http://schemas.microsoft.com/office/drawing/2014/main" xmlns="" id="{018AE5D8-A796-4C5F-AF96-633C586CE814}"/>
+                <a16:creationId xmlns="" xmlns:a16="http://schemas.microsoft.com/office/drawing/2014/main" id="{018AE5D8-A796-4C5F-AF96-633C586CE814}"/>
               </a:ext>
             </a:extLst>
           </p:cNvPr>
@@ -2200,7 +2200,7 @@
           <p:cNvPr id="2" name="Title 1">
             <a:extLst>
               <a:ext uri="{FF2B5EF4-FFF2-40B4-BE49-F238E27FC236}">
-                <a16:creationId xmlns:a16="http://schemas.microsoft.com/office/drawing/2014/main" xmlns="" id="{5785C08C-F708-4E59-9638-67476CCE6F8E}"/>
+                <a16:creationId xmlns="" xmlns:a16="http://schemas.microsoft.com/office/drawing/2014/main" id="{5785C08C-F708-4E59-9638-67476CCE6F8E}"/>
               </a:ext>
             </a:extLst>
           </p:cNvPr>
@@ -2238,7 +2238,7 @@
           <p:cNvPr id="3" name="Content Placeholder 2">
             <a:extLst>
               <a:ext uri="{FF2B5EF4-FFF2-40B4-BE49-F238E27FC236}">
-                <a16:creationId xmlns:a16="http://schemas.microsoft.com/office/drawing/2014/main" xmlns="" id="{37D67BF5-8B86-462B-B714-E04C03AFACB1}"/>
+                <a16:creationId xmlns="" xmlns:a16="http://schemas.microsoft.com/office/drawing/2014/main" id="{37D67BF5-8B86-462B-B714-E04C03AFACB1}"/>
               </a:ext>
             </a:extLst>
           </p:cNvPr>
@@ -2329,7 +2329,7 @@
           <p:cNvPr id="4" name="Text Placeholder 3">
             <a:extLst>
               <a:ext uri="{FF2B5EF4-FFF2-40B4-BE49-F238E27FC236}">
-                <a16:creationId xmlns:a16="http://schemas.microsoft.com/office/drawing/2014/main" xmlns="" id="{11D7DB8C-9AFD-4BF2-86F3-684F952F52FC}"/>
+                <a16:creationId xmlns="" xmlns:a16="http://schemas.microsoft.com/office/drawing/2014/main" id="{11D7DB8C-9AFD-4BF2-86F3-684F952F52FC}"/>
               </a:ext>
             </a:extLst>
           </p:cNvPr>
@@ -2400,7 +2400,7 @@
           <p:cNvPr id="5" name="Date Placeholder 4">
             <a:extLst>
               <a:ext uri="{FF2B5EF4-FFF2-40B4-BE49-F238E27FC236}">
-                <a16:creationId xmlns:a16="http://schemas.microsoft.com/office/drawing/2014/main" xmlns="" id="{7E4D098C-4950-4964-9D3B-09607BD26634}"/>
+                <a16:creationId xmlns="" xmlns:a16="http://schemas.microsoft.com/office/drawing/2014/main" id="{7E4D098C-4950-4964-9D3B-09607BD26634}"/>
               </a:ext>
             </a:extLst>
           </p:cNvPr>
@@ -2429,7 +2429,7 @@
           <p:cNvPr id="6" name="Footer Placeholder 5">
             <a:extLst>
               <a:ext uri="{FF2B5EF4-FFF2-40B4-BE49-F238E27FC236}">
-                <a16:creationId xmlns:a16="http://schemas.microsoft.com/office/drawing/2014/main" xmlns="" id="{F2CA40CB-8C56-4909-A6E1-D90B748B0886}"/>
+                <a16:creationId xmlns="" xmlns:a16="http://schemas.microsoft.com/office/drawing/2014/main" id="{F2CA40CB-8C56-4909-A6E1-D90B748B0886}"/>
               </a:ext>
             </a:extLst>
           </p:cNvPr>
@@ -2454,7 +2454,7 @@
           <p:cNvPr id="7" name="Slide Number Placeholder 6">
             <a:extLst>
               <a:ext uri="{FF2B5EF4-FFF2-40B4-BE49-F238E27FC236}">
-                <a16:creationId xmlns:a16="http://schemas.microsoft.com/office/drawing/2014/main" xmlns="" id="{1551E7B9-06EE-4679-B231-5169CDC44B45}"/>
+                <a16:creationId xmlns="" xmlns:a16="http://schemas.microsoft.com/office/drawing/2014/main" id="{1551E7B9-06EE-4679-B231-5169CDC44B45}"/>
               </a:ext>
             </a:extLst>
           </p:cNvPr>
@@ -2513,7 +2513,7 @@
           <p:cNvPr id="2" name="Title 1">
             <a:extLst>
               <a:ext uri="{FF2B5EF4-FFF2-40B4-BE49-F238E27FC236}">
-                <a16:creationId xmlns:a16="http://schemas.microsoft.com/office/drawing/2014/main" xmlns="" id="{50226FEE-AE82-46F3-A9E5-F264D85E74BA}"/>
+                <a16:creationId xmlns="" xmlns:a16="http://schemas.microsoft.com/office/drawing/2014/main" id="{50226FEE-AE82-46F3-A9E5-F264D85E74BA}"/>
               </a:ext>
             </a:extLst>
           </p:cNvPr>
@@ -2551,7 +2551,7 @@
           <p:cNvPr id="3" name="Picture Placeholder 2">
             <a:extLst>
               <a:ext uri="{FF2B5EF4-FFF2-40B4-BE49-F238E27FC236}">
-                <a16:creationId xmlns:a16="http://schemas.microsoft.com/office/drawing/2014/main" xmlns="" id="{7AD3BDF5-6F94-4C5F-A081-4F39CD8DF92C}"/>
+                <a16:creationId xmlns="" xmlns:a16="http://schemas.microsoft.com/office/drawing/2014/main" id="{7AD3BDF5-6F94-4C5F-A081-4F39CD8DF92C}"/>
               </a:ext>
             </a:extLst>
           </p:cNvPr>
@@ -2618,7 +2618,7 @@
           <p:cNvPr id="4" name="Text Placeholder 3">
             <a:extLst>
               <a:ext uri="{FF2B5EF4-FFF2-40B4-BE49-F238E27FC236}">
-                <a16:creationId xmlns:a16="http://schemas.microsoft.com/office/drawing/2014/main" xmlns="" id="{C669047C-3BD7-4697-A39B-E0FA10A4C5F9}"/>
+                <a16:creationId xmlns="" xmlns:a16="http://schemas.microsoft.com/office/drawing/2014/main" id="{C669047C-3BD7-4697-A39B-E0FA10A4C5F9}"/>
               </a:ext>
             </a:extLst>
           </p:cNvPr>
@@ -2689,7 +2689,7 @@
           <p:cNvPr id="5" name="Date Placeholder 4">
             <a:extLst>
               <a:ext uri="{FF2B5EF4-FFF2-40B4-BE49-F238E27FC236}">
-                <a16:creationId xmlns:a16="http://schemas.microsoft.com/office/drawing/2014/main" xmlns="" id="{6812A225-2F33-4179-8DB9-53942F3FBF3C}"/>
+                <a16:creationId xmlns="" xmlns:a16="http://schemas.microsoft.com/office/drawing/2014/main" id="{6812A225-2F33-4179-8DB9-53942F3FBF3C}"/>
               </a:ext>
             </a:extLst>
           </p:cNvPr>
@@ -2718,7 +2718,7 @@
           <p:cNvPr id="6" name="Footer Placeholder 5">
             <a:extLst>
               <a:ext uri="{FF2B5EF4-FFF2-40B4-BE49-F238E27FC236}">
-                <a16:creationId xmlns:a16="http://schemas.microsoft.com/office/drawing/2014/main" xmlns="" id="{5DCCCAF8-1A25-44ED-92D3-EAA55863C860}"/>
+                <a16:creationId xmlns="" xmlns:a16="http://schemas.microsoft.com/office/drawing/2014/main" id="{5DCCCAF8-1A25-44ED-92D3-EAA55863C860}"/>
               </a:ext>
             </a:extLst>
           </p:cNvPr>
@@ -2743,7 +2743,7 @@
           <p:cNvPr id="7" name="Slide Number Placeholder 6">
             <a:extLst>
               <a:ext uri="{FF2B5EF4-FFF2-40B4-BE49-F238E27FC236}">
-                <a16:creationId xmlns:a16="http://schemas.microsoft.com/office/drawing/2014/main" xmlns="" id="{081D2EF8-4469-4E48-998D-B582FE060B65}"/>
+                <a16:creationId xmlns="" xmlns:a16="http://schemas.microsoft.com/office/drawing/2014/main" id="{081D2EF8-4469-4E48-998D-B582FE060B65}"/>
               </a:ext>
             </a:extLst>
           </p:cNvPr>
@@ -2807,7 +2807,7 @@
           <p:cNvPr id="2" name="Title Placeholder 1">
             <a:extLst>
               <a:ext uri="{FF2B5EF4-FFF2-40B4-BE49-F238E27FC236}">
-                <a16:creationId xmlns:a16="http://schemas.microsoft.com/office/drawing/2014/main" xmlns="" id="{9CDA4241-5F65-4F1F-91FC-6A9573E87A72}"/>
+                <a16:creationId xmlns="" xmlns:a16="http://schemas.microsoft.com/office/drawing/2014/main" id="{9CDA4241-5F65-4F1F-91FC-6A9573E87A72}"/>
               </a:ext>
             </a:extLst>
           </p:cNvPr>
@@ -2846,7 +2846,7 @@
           <p:cNvPr id="3" name="Text Placeholder 2">
             <a:extLst>
               <a:ext uri="{FF2B5EF4-FFF2-40B4-BE49-F238E27FC236}">
-                <a16:creationId xmlns:a16="http://schemas.microsoft.com/office/drawing/2014/main" xmlns="" id="{3BC58C6C-4267-4E58-A71E-23F428330912}"/>
+                <a16:creationId xmlns="" xmlns:a16="http://schemas.microsoft.com/office/drawing/2014/main" id="{3BC58C6C-4267-4E58-A71E-23F428330912}"/>
               </a:ext>
             </a:extLst>
           </p:cNvPr>
@@ -2914,7 +2914,7 @@
           <p:cNvPr id="4" name="Date Placeholder 3">
             <a:extLst>
               <a:ext uri="{FF2B5EF4-FFF2-40B4-BE49-F238E27FC236}">
-                <a16:creationId xmlns:a16="http://schemas.microsoft.com/office/drawing/2014/main" xmlns="" id="{F644D2BD-1B24-4FD2-9415-DA9215D62A57}"/>
+                <a16:creationId xmlns="" xmlns:a16="http://schemas.microsoft.com/office/drawing/2014/main" id="{F644D2BD-1B24-4FD2-9415-DA9215D62A57}"/>
               </a:ext>
             </a:extLst>
           </p:cNvPr>
@@ -2961,7 +2961,7 @@
           <p:cNvPr id="5" name="Footer Placeholder 4">
             <a:extLst>
               <a:ext uri="{FF2B5EF4-FFF2-40B4-BE49-F238E27FC236}">
-                <a16:creationId xmlns:a16="http://schemas.microsoft.com/office/drawing/2014/main" xmlns="" id="{052B2DEC-4883-463C-AF09-7784E5013BE5}"/>
+                <a16:creationId xmlns="" xmlns:a16="http://schemas.microsoft.com/office/drawing/2014/main" id="{052B2DEC-4883-463C-AF09-7784E5013BE5}"/>
               </a:ext>
             </a:extLst>
           </p:cNvPr>
@@ -3004,7 +3004,7 @@
           <p:cNvPr id="6" name="Slide Number Placeholder 5">
             <a:extLst>
               <a:ext uri="{FF2B5EF4-FFF2-40B4-BE49-F238E27FC236}">
-                <a16:creationId xmlns:a16="http://schemas.microsoft.com/office/drawing/2014/main" xmlns="" id="{B91E765B-C133-4BEF-9B0E-51DD0E9F5B27}"/>
+                <a16:creationId xmlns="" xmlns:a16="http://schemas.microsoft.com/office/drawing/2014/main" id="{B91E765B-C133-4BEF-9B0E-51DD0E9F5B27}"/>
               </a:ext>
             </a:extLst>
           </p:cNvPr>
@@ -3372,7 +3372,7 @@
           <p:cNvPr id="2" name="Title 1">
             <a:extLst>
               <a:ext uri="{FF2B5EF4-FFF2-40B4-BE49-F238E27FC236}">
-                <a16:creationId xmlns:a16="http://schemas.microsoft.com/office/drawing/2014/main" xmlns="" id="{46D20EEB-69A2-4947-B9C0-B5C51449390F}"/>
+                <a16:creationId xmlns="" xmlns:a16="http://schemas.microsoft.com/office/drawing/2014/main" id="{46D20EEB-69A2-4947-B9C0-B5C51449390F}"/>
               </a:ext>
             </a:extLst>
           </p:cNvPr>
@@ -3472,13 +3472,45 @@
         </p:nvSpPr>
         <p:spPr/>
         <p:txBody>
-          <a:bodyPr/>
+          <a:bodyPr>
+            <a:normAutofit fontScale="90000"/>
+          </a:bodyPr>
           <a:lstStyle/>
           <a:p>
             <a:r>
               <a:rPr lang="en-US" dirty="0" smtClean="0"/>
-              <a:t>Babel plugin (AST)</a:t>
-            </a:r>
+              <a:t>Babel plugin (AST</a:t>
+            </a:r>
+            <a:r>
+              <a:rPr lang="en-US" dirty="0"/>
+              <a:t>)</a:t>
+            </a:r>
+            <a:br>
+              <a:rPr lang="en-US" dirty="0"/>
+            </a:br>
+            <a:r>
+              <a:rPr lang="en-US" sz="3600" dirty="0">
+                <a:hlinkClick r:id="rId2"/>
+              </a:rPr>
+              <a:t>https://</a:t>
+            </a:r>
+            <a:r>
+              <a:rPr lang="en-US" sz="3600" dirty="0" smtClean="0">
+                <a:hlinkClick r:id="rId2"/>
+              </a:rPr>
+              <a:t>astexplorer.net</a:t>
+            </a:r>
+            <a:r>
+              <a:rPr lang="en-US" sz="3600" dirty="0"/>
+              <a:t> </a:t>
+            </a:r>
+            <a:r>
+              <a:rPr lang="en-US" dirty="0" smtClean="0"/>
+              <a:t/>
+            </a:r>
+            <a:br>
+              <a:rPr lang="en-US" dirty="0" smtClean="0"/>
+            </a:br>
             <a:endParaRPr lang="en-AU" dirty="0"/>
           </a:p>
         </p:txBody>
@@ -5272,7 +5304,7 @@
   <a:extraClrSchemeLst/>
   <a:extLst>
     <a:ext uri="{05A4C25C-085E-4340-85A3-A5531E510DB2}">
-      <thm15:themeFamily xmlns:thm15="http://schemas.microsoft.com/office/thememl/2012/main" xmlns="" name="Office Theme" id="{62F939B6-93AF-4DB8-9C6B-D6C7DFDC589F}" vid="{4A3C46E8-61CC-4603-A589-7422A47A8E4A}"/>
+      <thm15:themeFamily xmlns="" xmlns:thm15="http://schemas.microsoft.com/office/thememl/2012/main" name="Office Theme" id="{62F939B6-93AF-4DB8-9C6B-D6C7DFDC589F}" vid="{4A3C46E8-61CC-4603-A589-7422A47A8E4A}"/>
     </a:ext>
   </a:extLst>
 </a:theme>
